--- a/Documenti/Presentazione_EyeAsteroids.pptx
+++ b/Documenti/Presentazione_EyeAsteroids.pptx
@@ -4,9 +4,12 @@
   <p:sldMasterIdLst>
     <p:sldMasterId id="2147483648" r:id="rId1"/>
   </p:sldMasterIdLst>
+  <p:notesMasterIdLst>
+    <p:notesMasterId r:id="rId25"/>
+  </p:notesMasterIdLst>
   <p:sldIdLst>
     <p:sldId id="256" r:id="rId2"/>
-    <p:sldId id="257" r:id="rId3"/>
+    <p:sldId id="278" r:id="rId3"/>
     <p:sldId id="258" r:id="rId4"/>
     <p:sldId id="259" r:id="rId5"/>
     <p:sldId id="260" r:id="rId6"/>
@@ -20,13 +23,14 @@
     <p:sldId id="267" r:id="rId14"/>
     <p:sldId id="269" r:id="rId15"/>
     <p:sldId id="270" r:id="rId16"/>
-    <p:sldId id="271" r:id="rId17"/>
-    <p:sldId id="272" r:id="rId18"/>
-    <p:sldId id="273" r:id="rId19"/>
-    <p:sldId id="274" r:id="rId20"/>
-    <p:sldId id="275" r:id="rId21"/>
-    <p:sldId id="276" r:id="rId22"/>
-    <p:sldId id="277" r:id="rId23"/>
+    <p:sldId id="279" r:id="rId17"/>
+    <p:sldId id="271" r:id="rId18"/>
+    <p:sldId id="272" r:id="rId19"/>
+    <p:sldId id="273" r:id="rId20"/>
+    <p:sldId id="274" r:id="rId21"/>
+    <p:sldId id="275" r:id="rId22"/>
+    <p:sldId id="276" r:id="rId23"/>
+    <p:sldId id="277" r:id="rId24"/>
   </p:sldIdLst>
   <p:sldSz cx="12192000" cy="6858000"/>
   <p:notesSz cx="6858000" cy="9144000"/>
@@ -125,7 +129,507 @@
       </a:defRPr>
     </a:lvl9pPr>
   </p:defaultTextStyle>
+  <p:extLst>
+    <p:ext uri="{EFAFB233-063F-42B5-8137-9DF3F51BA10A}">
+      <p15:sldGuideLst xmlns:p15="http://schemas.microsoft.com/office/powerpoint/2012/main"/>
+    </p:ext>
+  </p:extLst>
 </p:presentation>
+</file>
+
+<file path=ppt/notesMasters/notesMaster1.xml><?xml version="1.0" encoding="utf-8"?>
+<p:notesMaster xmlns:a="http://schemas.openxmlformats.org/drawingml/2006/main" xmlns:r="http://schemas.openxmlformats.org/officeDocument/2006/relationships" xmlns:p="http://schemas.openxmlformats.org/presentationml/2006/main">
+  <p:cSld>
+    <p:bg>
+      <p:bgRef idx="1001">
+        <a:schemeClr val="bg1"/>
+      </p:bgRef>
+    </p:bg>
+    <p:spTree>
+      <p:nvGrpSpPr>
+        <p:cNvPr id="1" name=""/>
+        <p:cNvGrpSpPr/>
+        <p:nvPr/>
+      </p:nvGrpSpPr>
+      <p:grpSpPr>
+        <a:xfrm>
+          <a:off x="0" y="0"/>
+          <a:ext cx="0" cy="0"/>
+          <a:chOff x="0" y="0"/>
+          <a:chExt cx="0" cy="0"/>
+        </a:xfrm>
+      </p:grpSpPr>
+      <p:sp>
+        <p:nvSpPr>
+          <p:cNvPr id="2" name="Segnaposto intestazione 1"/>
+          <p:cNvSpPr>
+            <a:spLocks noGrp="1"/>
+          </p:cNvSpPr>
+          <p:nvPr>
+            <p:ph type="hdr" sz="quarter"/>
+          </p:nvPr>
+        </p:nvSpPr>
+        <p:spPr>
+          <a:xfrm>
+            <a:off x="0" y="0"/>
+            <a:ext cx="2971800" cy="458788"/>
+          </a:xfrm>
+          <a:prstGeom prst="rect">
+            <a:avLst/>
+          </a:prstGeom>
+        </p:spPr>
+        <p:txBody>
+          <a:bodyPr vert="horz" lIns="91440" tIns="45720" rIns="91440" bIns="45720" rtlCol="0"/>
+          <a:lstStyle>
+            <a:lvl1pPr algn="l">
+              <a:defRPr sz="1200"/>
+            </a:lvl1pPr>
+          </a:lstStyle>
+          <a:p>
+            <a:endParaRPr lang="it-CH"/>
+          </a:p>
+        </p:txBody>
+      </p:sp>
+      <p:sp>
+        <p:nvSpPr>
+          <p:cNvPr id="3" name="Segnaposto data 2"/>
+          <p:cNvSpPr>
+            <a:spLocks noGrp="1"/>
+          </p:cNvSpPr>
+          <p:nvPr>
+            <p:ph type="dt" idx="1"/>
+          </p:nvPr>
+        </p:nvSpPr>
+        <p:spPr>
+          <a:xfrm>
+            <a:off x="3884613" y="0"/>
+            <a:ext cx="2971800" cy="458788"/>
+          </a:xfrm>
+          <a:prstGeom prst="rect">
+            <a:avLst/>
+          </a:prstGeom>
+        </p:spPr>
+        <p:txBody>
+          <a:bodyPr vert="horz" lIns="91440" tIns="45720" rIns="91440" bIns="45720" rtlCol="0"/>
+          <a:lstStyle>
+            <a:lvl1pPr algn="r">
+              <a:defRPr sz="1200"/>
+            </a:lvl1pPr>
+          </a:lstStyle>
+          <a:p>
+            <a:fld id="{EC0F769F-07F7-471F-8E77-7C047A056AAD}" type="datetimeFigureOut">
+              <a:rPr lang="it-CH" smtClean="0"/>
+              <a:t>10.05.2022</a:t>
+            </a:fld>
+            <a:endParaRPr lang="it-CH"/>
+          </a:p>
+        </p:txBody>
+      </p:sp>
+      <p:sp>
+        <p:nvSpPr>
+          <p:cNvPr id="4" name="Segnaposto immagine diapositiva 3"/>
+          <p:cNvSpPr>
+            <a:spLocks noGrp="1" noRot="1" noChangeAspect="1"/>
+          </p:cNvSpPr>
+          <p:nvPr>
+            <p:ph type="sldImg" idx="2"/>
+          </p:nvPr>
+        </p:nvSpPr>
+        <p:spPr>
+          <a:xfrm>
+            <a:off x="685800" y="1143000"/>
+            <a:ext cx="5486400" cy="3086100"/>
+          </a:xfrm>
+          <a:prstGeom prst="rect">
+            <a:avLst/>
+          </a:prstGeom>
+          <a:noFill/>
+          <a:ln w="12700">
+            <a:solidFill>
+              <a:prstClr val="black"/>
+            </a:solidFill>
+          </a:ln>
+        </p:spPr>
+        <p:txBody>
+          <a:bodyPr vert="horz" lIns="91440" tIns="45720" rIns="91440" bIns="45720" rtlCol="0" anchor="ctr"/>
+          <a:lstStyle/>
+          <a:p>
+            <a:endParaRPr lang="it-CH"/>
+          </a:p>
+        </p:txBody>
+      </p:sp>
+      <p:sp>
+        <p:nvSpPr>
+          <p:cNvPr id="5" name="Segnaposto note 4"/>
+          <p:cNvSpPr>
+            <a:spLocks noGrp="1"/>
+          </p:cNvSpPr>
+          <p:nvPr>
+            <p:ph type="body" sz="quarter" idx="3"/>
+          </p:nvPr>
+        </p:nvSpPr>
+        <p:spPr>
+          <a:xfrm>
+            <a:off x="685800" y="4400550"/>
+            <a:ext cx="5486400" cy="3600450"/>
+          </a:xfrm>
+          <a:prstGeom prst="rect">
+            <a:avLst/>
+          </a:prstGeom>
+        </p:spPr>
+        <p:txBody>
+          <a:bodyPr vert="horz" lIns="91440" tIns="45720" rIns="91440" bIns="45720" rtlCol="0"/>
+          <a:lstStyle/>
+          <a:p>
+            <a:pPr lvl="0"/>
+            <a:r>
+              <a:rPr lang="it-IT"/>
+              <a:t>Fare clic per modificare gli stili del testo dello schema</a:t>
+            </a:r>
+          </a:p>
+          <a:p>
+            <a:pPr lvl="1"/>
+            <a:r>
+              <a:rPr lang="it-IT"/>
+              <a:t>Secondo livello</a:t>
+            </a:r>
+          </a:p>
+          <a:p>
+            <a:pPr lvl="2"/>
+            <a:r>
+              <a:rPr lang="it-IT"/>
+              <a:t>Terzo livello</a:t>
+            </a:r>
+          </a:p>
+          <a:p>
+            <a:pPr lvl="3"/>
+            <a:r>
+              <a:rPr lang="it-IT"/>
+              <a:t>Quarto livello</a:t>
+            </a:r>
+          </a:p>
+          <a:p>
+            <a:pPr lvl="4"/>
+            <a:r>
+              <a:rPr lang="it-IT"/>
+              <a:t>Quinto livello</a:t>
+            </a:r>
+            <a:endParaRPr lang="it-CH"/>
+          </a:p>
+        </p:txBody>
+      </p:sp>
+      <p:sp>
+        <p:nvSpPr>
+          <p:cNvPr id="6" name="Segnaposto piè di pagina 5"/>
+          <p:cNvSpPr>
+            <a:spLocks noGrp="1"/>
+          </p:cNvSpPr>
+          <p:nvPr>
+            <p:ph type="ftr" sz="quarter" idx="4"/>
+          </p:nvPr>
+        </p:nvSpPr>
+        <p:spPr>
+          <a:xfrm>
+            <a:off x="0" y="8685213"/>
+            <a:ext cx="2971800" cy="458787"/>
+          </a:xfrm>
+          <a:prstGeom prst="rect">
+            <a:avLst/>
+          </a:prstGeom>
+        </p:spPr>
+        <p:txBody>
+          <a:bodyPr vert="horz" lIns="91440" tIns="45720" rIns="91440" bIns="45720" rtlCol="0" anchor="b"/>
+          <a:lstStyle>
+            <a:lvl1pPr algn="l">
+              <a:defRPr sz="1200"/>
+            </a:lvl1pPr>
+          </a:lstStyle>
+          <a:p>
+            <a:endParaRPr lang="it-CH"/>
+          </a:p>
+        </p:txBody>
+      </p:sp>
+      <p:sp>
+        <p:nvSpPr>
+          <p:cNvPr id="7" name="Segnaposto numero diapositiva 6"/>
+          <p:cNvSpPr>
+            <a:spLocks noGrp="1"/>
+          </p:cNvSpPr>
+          <p:nvPr>
+            <p:ph type="sldNum" sz="quarter" idx="5"/>
+          </p:nvPr>
+        </p:nvSpPr>
+        <p:spPr>
+          <a:xfrm>
+            <a:off x="3884613" y="8685213"/>
+            <a:ext cx="2971800" cy="458787"/>
+          </a:xfrm>
+          <a:prstGeom prst="rect">
+            <a:avLst/>
+          </a:prstGeom>
+        </p:spPr>
+        <p:txBody>
+          <a:bodyPr vert="horz" lIns="91440" tIns="45720" rIns="91440" bIns="45720" rtlCol="0" anchor="b"/>
+          <a:lstStyle>
+            <a:lvl1pPr algn="r">
+              <a:defRPr sz="1200"/>
+            </a:lvl1pPr>
+          </a:lstStyle>
+          <a:p>
+            <a:fld id="{6F44E482-C3B4-4707-B379-550565FDF41D}" type="slidenum">
+              <a:rPr lang="it-CH" smtClean="0"/>
+              <a:t>‹N›</a:t>
+            </a:fld>
+            <a:endParaRPr lang="it-CH"/>
+          </a:p>
+        </p:txBody>
+      </p:sp>
+    </p:spTree>
+    <p:extLst>
+      <p:ext uri="{BB962C8B-B14F-4D97-AF65-F5344CB8AC3E}">
+        <p14:creationId xmlns:p14="http://schemas.microsoft.com/office/powerpoint/2010/main" val="2866799193"/>
+      </p:ext>
+    </p:extLst>
+  </p:cSld>
+  <p:clrMap bg1="lt1" tx1="dk1" bg2="lt2" tx2="dk2" accent1="accent1" accent2="accent2" accent3="accent3" accent4="accent4" accent5="accent5" accent6="accent6" hlink="hlink" folHlink="folHlink"/>
+  <p:notesStyle>
+    <a:lvl1pPr marL="0" algn="l" defTabSz="914400" rtl="0" eaLnBrk="1" latinLnBrk="0" hangingPunct="1">
+      <a:defRPr sz="1200" kern="1200">
+        <a:solidFill>
+          <a:schemeClr val="tx1"/>
+        </a:solidFill>
+        <a:latin typeface="+mn-lt"/>
+        <a:ea typeface="+mn-ea"/>
+        <a:cs typeface="+mn-cs"/>
+      </a:defRPr>
+    </a:lvl1pPr>
+    <a:lvl2pPr marL="457200" algn="l" defTabSz="914400" rtl="0" eaLnBrk="1" latinLnBrk="0" hangingPunct="1">
+      <a:defRPr sz="1200" kern="1200">
+        <a:solidFill>
+          <a:schemeClr val="tx1"/>
+        </a:solidFill>
+        <a:latin typeface="+mn-lt"/>
+        <a:ea typeface="+mn-ea"/>
+        <a:cs typeface="+mn-cs"/>
+      </a:defRPr>
+    </a:lvl2pPr>
+    <a:lvl3pPr marL="914400" algn="l" defTabSz="914400" rtl="0" eaLnBrk="1" latinLnBrk="0" hangingPunct="1">
+      <a:defRPr sz="1200" kern="1200">
+        <a:solidFill>
+          <a:schemeClr val="tx1"/>
+        </a:solidFill>
+        <a:latin typeface="+mn-lt"/>
+        <a:ea typeface="+mn-ea"/>
+        <a:cs typeface="+mn-cs"/>
+      </a:defRPr>
+    </a:lvl3pPr>
+    <a:lvl4pPr marL="1371600" algn="l" defTabSz="914400" rtl="0" eaLnBrk="1" latinLnBrk="0" hangingPunct="1">
+      <a:defRPr sz="1200" kern="1200">
+        <a:solidFill>
+          <a:schemeClr val="tx1"/>
+        </a:solidFill>
+        <a:latin typeface="+mn-lt"/>
+        <a:ea typeface="+mn-ea"/>
+        <a:cs typeface="+mn-cs"/>
+      </a:defRPr>
+    </a:lvl4pPr>
+    <a:lvl5pPr marL="1828800" algn="l" defTabSz="914400" rtl="0" eaLnBrk="1" latinLnBrk="0" hangingPunct="1">
+      <a:defRPr sz="1200" kern="1200">
+        <a:solidFill>
+          <a:schemeClr val="tx1"/>
+        </a:solidFill>
+        <a:latin typeface="+mn-lt"/>
+        <a:ea typeface="+mn-ea"/>
+        <a:cs typeface="+mn-cs"/>
+      </a:defRPr>
+    </a:lvl5pPr>
+    <a:lvl6pPr marL="2286000" algn="l" defTabSz="914400" rtl="0" eaLnBrk="1" latinLnBrk="0" hangingPunct="1">
+      <a:defRPr sz="1200" kern="1200">
+        <a:solidFill>
+          <a:schemeClr val="tx1"/>
+        </a:solidFill>
+        <a:latin typeface="+mn-lt"/>
+        <a:ea typeface="+mn-ea"/>
+        <a:cs typeface="+mn-cs"/>
+      </a:defRPr>
+    </a:lvl6pPr>
+    <a:lvl7pPr marL="2743200" algn="l" defTabSz="914400" rtl="0" eaLnBrk="1" latinLnBrk="0" hangingPunct="1">
+      <a:defRPr sz="1200" kern="1200">
+        <a:solidFill>
+          <a:schemeClr val="tx1"/>
+        </a:solidFill>
+        <a:latin typeface="+mn-lt"/>
+        <a:ea typeface="+mn-ea"/>
+        <a:cs typeface="+mn-cs"/>
+      </a:defRPr>
+    </a:lvl7pPr>
+    <a:lvl8pPr marL="3200400" algn="l" defTabSz="914400" rtl="0" eaLnBrk="1" latinLnBrk="0" hangingPunct="1">
+      <a:defRPr sz="1200" kern="1200">
+        <a:solidFill>
+          <a:schemeClr val="tx1"/>
+        </a:solidFill>
+        <a:latin typeface="+mn-lt"/>
+        <a:ea typeface="+mn-ea"/>
+        <a:cs typeface="+mn-cs"/>
+      </a:defRPr>
+    </a:lvl8pPr>
+    <a:lvl9pPr marL="3657600" algn="l" defTabSz="914400" rtl="0" eaLnBrk="1" latinLnBrk="0" hangingPunct="1">
+      <a:defRPr sz="1200" kern="1200">
+        <a:solidFill>
+          <a:schemeClr val="tx1"/>
+        </a:solidFill>
+        <a:latin typeface="+mn-lt"/>
+        <a:ea typeface="+mn-ea"/>
+        <a:cs typeface="+mn-cs"/>
+      </a:defRPr>
+    </a:lvl9pPr>
+  </p:notesStyle>
+</p:notesMaster>
+</file>
+
+<file path=ppt/notesSlides/notesSlide1.xml><?xml version="1.0" encoding="utf-8"?>
+<p:notes xmlns:a="http://schemas.openxmlformats.org/drawingml/2006/main" xmlns:r="http://schemas.openxmlformats.org/officeDocument/2006/relationships" xmlns:p="http://schemas.openxmlformats.org/presentationml/2006/main">
+  <p:cSld>
+    <p:spTree>
+      <p:nvGrpSpPr>
+        <p:cNvPr id="1" name=""/>
+        <p:cNvGrpSpPr/>
+        <p:nvPr/>
+      </p:nvGrpSpPr>
+      <p:grpSpPr>
+        <a:xfrm>
+          <a:off x="0" y="0"/>
+          <a:ext cx="0" cy="0"/>
+          <a:chOff x="0" y="0"/>
+          <a:chExt cx="0" cy="0"/>
+        </a:xfrm>
+      </p:grpSpPr>
+      <p:sp>
+        <p:nvSpPr>
+          <p:cNvPr id="2" name="Segnaposto immagine diapositiva 1"/>
+          <p:cNvSpPr>
+            <a:spLocks noGrp="1" noRot="1" noChangeAspect="1"/>
+          </p:cNvSpPr>
+          <p:nvPr>
+            <p:ph type="sldImg"/>
+          </p:nvPr>
+        </p:nvSpPr>
+        <p:spPr/>
+      </p:sp>
+      <p:sp>
+        <p:nvSpPr>
+          <p:cNvPr id="3" name="Segnaposto note 2"/>
+          <p:cNvSpPr>
+            <a:spLocks noGrp="1"/>
+          </p:cNvSpPr>
+          <p:nvPr>
+            <p:ph type="body" idx="1"/>
+          </p:nvPr>
+        </p:nvSpPr>
+        <p:spPr/>
+        <p:txBody>
+          <a:bodyPr/>
+          <a:lstStyle/>
+          <a:p>
+            <a:r>
+              <a:rPr lang="it-CH" dirty="0"/>
+              <a:t>La struttura della cartella per il gioco.</a:t>
+            </a:r>
+            <a:br>
+              <a:rPr lang="it-CH" dirty="0"/>
+            </a:br>
+            <a:r>
+              <a:rPr lang="it-CH" dirty="0"/>
+              <a:t>Contengono principalmente 3 cartelle:</a:t>
+            </a:r>
+          </a:p>
+          <a:p>
+            <a:pPr marL="0" indent="0">
+              <a:buFontTx/>
+              <a:buNone/>
+            </a:pPr>
+            <a:r>
+              <a:rPr lang="it-CH" dirty="0"/>
+              <a:t>- assets: contengono i file immagini e fonti</a:t>
+            </a:r>
+          </a:p>
+          <a:p>
+            <a:pPr marL="0" indent="0">
+              <a:buFontTx/>
+              <a:buNone/>
+            </a:pPr>
+            <a:r>
+              <a:rPr lang="it-CH" dirty="0"/>
+              <a:t>- libreria: Contiene semplicemente la libreria del </a:t>
+            </a:r>
+            <a:r>
+              <a:rPr lang="it-CH" dirty="0" err="1"/>
+              <a:t>gazetracking</a:t>
+            </a:r>
+            <a:endParaRPr lang="it-CH" dirty="0"/>
+          </a:p>
+          <a:p>
+            <a:pPr marL="0" indent="0">
+              <a:buFontTx/>
+              <a:buNone/>
+            </a:pPr>
+            <a:r>
+              <a:rPr lang="it-CH" dirty="0"/>
+              <a:t>- </a:t>
+            </a:r>
+            <a:r>
+              <a:rPr lang="it-CH" dirty="0" err="1"/>
+              <a:t>space_asteroid</a:t>
+            </a:r>
+            <a:r>
+              <a:rPr lang="it-CH" dirty="0"/>
+              <a:t>: contiene i file </a:t>
+            </a:r>
+            <a:r>
+              <a:rPr lang="it-CH" dirty="0" err="1"/>
+              <a:t>python</a:t>
+            </a:r>
+            <a:r>
+              <a:rPr lang="it-CH" dirty="0"/>
+              <a:t> e database. Ogni file contiene principalmente una classe.   </a:t>
+            </a:r>
+          </a:p>
+        </p:txBody>
+      </p:sp>
+      <p:sp>
+        <p:nvSpPr>
+          <p:cNvPr id="4" name="Segnaposto numero diapositiva 3"/>
+          <p:cNvSpPr>
+            <a:spLocks noGrp="1"/>
+          </p:cNvSpPr>
+          <p:nvPr>
+            <p:ph type="sldNum" sz="quarter" idx="5"/>
+          </p:nvPr>
+        </p:nvSpPr>
+        <p:spPr/>
+        <p:txBody>
+          <a:bodyPr/>
+          <a:lstStyle/>
+          <a:p>
+            <a:fld id="{6F44E482-C3B4-4707-B379-550565FDF41D}" type="slidenum">
+              <a:rPr lang="it-CH" smtClean="0"/>
+              <a:t>16</a:t>
+            </a:fld>
+            <a:endParaRPr lang="it-CH"/>
+          </a:p>
+        </p:txBody>
+      </p:sp>
+    </p:spTree>
+    <p:extLst>
+      <p:ext uri="{BB962C8B-B14F-4D97-AF65-F5344CB8AC3E}">
+        <p14:creationId xmlns:p14="http://schemas.microsoft.com/office/powerpoint/2010/main" val="2022794783"/>
+      </p:ext>
+    </p:extLst>
+  </p:cSld>
+  <p:clrMapOvr>
+    <a:masterClrMapping/>
+  </p:clrMapOvr>
+</p:notes>
 </file>
 
 <file path=ppt/slideLayouts/slideLayout1.xml><?xml version="1.0" encoding="utf-8"?>
@@ -277,7 +781,7 @@
           <a:p>
             <a:fld id="{FBB4D19A-75DC-4ACF-8239-F525F444714E}" type="datetimeFigureOut">
               <a:rPr lang="it-CH" smtClean="0"/>
-              <a:t>09.05.2022</a:t>
+              <a:t>10.05.2022</a:t>
             </a:fld>
             <a:endParaRPr lang="it-CH"/>
           </a:p>
@@ -477,7 +981,7 @@
           <a:p>
             <a:fld id="{FBB4D19A-75DC-4ACF-8239-F525F444714E}" type="datetimeFigureOut">
               <a:rPr lang="it-CH" smtClean="0"/>
-              <a:t>09.05.2022</a:t>
+              <a:t>10.05.2022</a:t>
             </a:fld>
             <a:endParaRPr lang="it-CH"/>
           </a:p>
@@ -687,7 +1191,7 @@
           <a:p>
             <a:fld id="{FBB4D19A-75DC-4ACF-8239-F525F444714E}" type="datetimeFigureOut">
               <a:rPr lang="it-CH" smtClean="0"/>
-              <a:t>09.05.2022</a:t>
+              <a:t>10.05.2022</a:t>
             </a:fld>
             <a:endParaRPr lang="it-CH"/>
           </a:p>
@@ -887,7 +1391,7 @@
           <a:p>
             <a:fld id="{FBB4D19A-75DC-4ACF-8239-F525F444714E}" type="datetimeFigureOut">
               <a:rPr lang="it-CH" smtClean="0"/>
-              <a:t>09.05.2022</a:t>
+              <a:t>10.05.2022</a:t>
             </a:fld>
             <a:endParaRPr lang="it-CH"/>
           </a:p>
@@ -1163,7 +1667,7 @@
           <a:p>
             <a:fld id="{FBB4D19A-75DC-4ACF-8239-F525F444714E}" type="datetimeFigureOut">
               <a:rPr lang="it-CH" smtClean="0"/>
-              <a:t>09.05.2022</a:t>
+              <a:t>10.05.2022</a:t>
             </a:fld>
             <a:endParaRPr lang="it-CH"/>
           </a:p>
@@ -1431,7 +1935,7 @@
           <a:p>
             <a:fld id="{FBB4D19A-75DC-4ACF-8239-F525F444714E}" type="datetimeFigureOut">
               <a:rPr lang="it-CH" smtClean="0"/>
-              <a:t>09.05.2022</a:t>
+              <a:t>10.05.2022</a:t>
             </a:fld>
             <a:endParaRPr lang="it-CH"/>
           </a:p>
@@ -1846,7 +2350,7 @@
           <a:p>
             <a:fld id="{FBB4D19A-75DC-4ACF-8239-F525F444714E}" type="datetimeFigureOut">
               <a:rPr lang="it-CH" smtClean="0"/>
-              <a:t>09.05.2022</a:t>
+              <a:t>10.05.2022</a:t>
             </a:fld>
             <a:endParaRPr lang="it-CH"/>
           </a:p>
@@ -1988,7 +2492,7 @@
           <a:p>
             <a:fld id="{FBB4D19A-75DC-4ACF-8239-F525F444714E}" type="datetimeFigureOut">
               <a:rPr lang="it-CH" smtClean="0"/>
-              <a:t>09.05.2022</a:t>
+              <a:t>10.05.2022</a:t>
             </a:fld>
             <a:endParaRPr lang="it-CH"/>
           </a:p>
@@ -2101,7 +2605,7 @@
           <a:p>
             <a:fld id="{FBB4D19A-75DC-4ACF-8239-F525F444714E}" type="datetimeFigureOut">
               <a:rPr lang="it-CH" smtClean="0"/>
-              <a:t>09.05.2022</a:t>
+              <a:t>10.05.2022</a:t>
             </a:fld>
             <a:endParaRPr lang="it-CH"/>
           </a:p>
@@ -2414,7 +2918,7 @@
           <a:p>
             <a:fld id="{FBB4D19A-75DC-4ACF-8239-F525F444714E}" type="datetimeFigureOut">
               <a:rPr lang="it-CH" smtClean="0"/>
-              <a:t>09.05.2022</a:t>
+              <a:t>10.05.2022</a:t>
             </a:fld>
             <a:endParaRPr lang="it-CH"/>
           </a:p>
@@ -2703,7 +3207,7 @@
           <a:p>
             <a:fld id="{FBB4D19A-75DC-4ACF-8239-F525F444714E}" type="datetimeFigureOut">
               <a:rPr lang="it-CH" smtClean="0"/>
-              <a:t>09.05.2022</a:t>
+              <a:t>10.05.2022</a:t>
             </a:fld>
             <a:endParaRPr lang="it-CH"/>
           </a:p>
@@ -2946,7 +3450,7 @@
           <a:p>
             <a:fld id="{FBB4D19A-75DC-4ACF-8239-F525F444714E}" type="datetimeFigureOut">
               <a:rPr lang="it-CH" smtClean="0"/>
-              <a:t>09.05.2022</a:t>
+              <a:t>10.05.2022</a:t>
             </a:fld>
             <a:endParaRPr lang="it-CH"/>
           </a:p>
@@ -3390,8 +3894,8 @@
         </p:blipFill>
         <p:spPr>
           <a:xfrm>
-            <a:off x="0" y="0"/>
-            <a:ext cx="8121618" cy="6858000"/>
+            <a:off x="-1" y="0"/>
+            <a:ext cx="8170877" cy="6858000"/>
           </a:xfrm>
           <a:prstGeom prst="rect">
             <a:avLst/>
@@ -4402,31 +4906,41 @@
           </a:p>
         </p:txBody>
       </p:sp>
-      <p:sp>
-        <p:nvSpPr>
-          <p:cNvPr id="6" name="Segnaposto contenuto 5">
-            <a:extLst>
-              <a:ext uri="{FF2B5EF4-FFF2-40B4-BE49-F238E27FC236}">
-                <a16:creationId xmlns:a16="http://schemas.microsoft.com/office/drawing/2014/main" id="{DB9D1EAB-5F1C-4FF0-BD33-43B3F9BA8492}"/>
-              </a:ext>
-            </a:extLst>
-          </p:cNvPr>
-          <p:cNvSpPr>
-            <a:spLocks noGrp="1"/>
-          </p:cNvSpPr>
+      <p:pic>
+        <p:nvPicPr>
+          <p:cNvPr id="7" name="Segnaposto contenuto 6">
+            <a:extLst>
+              <a:ext uri="{FF2B5EF4-FFF2-40B4-BE49-F238E27FC236}">
+                <a16:creationId xmlns:a16="http://schemas.microsoft.com/office/drawing/2014/main" id="{D1C51A21-0FC1-45C9-A869-BFD61BFFBDBE}"/>
+              </a:ext>
+            </a:extLst>
+          </p:cNvPr>
+          <p:cNvPicPr>
+            <a:picLocks noGrp="1" noChangeAspect="1"/>
+          </p:cNvPicPr>
           <p:nvPr>
             <p:ph idx="1"/>
           </p:nvPr>
-        </p:nvSpPr>
-        <p:spPr/>
-        <p:txBody>
-          <a:bodyPr/>
-          <a:lstStyle/>
-          <a:p>
-            <a:endParaRPr lang="it-CH"/>
-          </a:p>
-        </p:txBody>
-      </p:sp>
+        </p:nvPicPr>
+        <p:blipFill>
+          <a:blip r:embed="rId3">
+            <a:extLst>
+              <a:ext uri="{28A0092B-C50C-407E-A947-70E740481C1C}">
+                <a14:useLocalDpi xmlns:a14="http://schemas.microsoft.com/office/drawing/2010/main" val="0"/>
+              </a:ext>
+            </a:extLst>
+          </a:blip>
+          <a:stretch>
+            <a:fillRect/>
+          </a:stretch>
+        </p:blipFill>
+        <p:spPr>
+          <a:xfrm>
+            <a:off x="1839061" y="1825625"/>
+            <a:ext cx="8513878" cy="4351338"/>
+          </a:xfrm>
+        </p:spPr>
+      </p:pic>
     </p:spTree>
     <p:extLst>
       <p:ext uri="{BB962C8B-B14F-4D97-AF65-F5344CB8AC3E}">
@@ -4559,31 +5073,41 @@
           </a:p>
         </p:txBody>
       </p:sp>
-      <p:sp>
-        <p:nvSpPr>
-          <p:cNvPr id="6" name="Segnaposto contenuto 5">
-            <a:extLst>
-              <a:ext uri="{FF2B5EF4-FFF2-40B4-BE49-F238E27FC236}">
-                <a16:creationId xmlns:a16="http://schemas.microsoft.com/office/drawing/2014/main" id="{DB9D1EAB-5F1C-4FF0-BD33-43B3F9BA8492}"/>
-              </a:ext>
-            </a:extLst>
-          </p:cNvPr>
-          <p:cNvSpPr>
-            <a:spLocks noGrp="1"/>
-          </p:cNvSpPr>
+      <p:pic>
+        <p:nvPicPr>
+          <p:cNvPr id="7" name="Segnaposto contenuto 6">
+            <a:extLst>
+              <a:ext uri="{FF2B5EF4-FFF2-40B4-BE49-F238E27FC236}">
+                <a16:creationId xmlns:a16="http://schemas.microsoft.com/office/drawing/2014/main" id="{81B483FB-7660-2A25-7E93-C975AD6E0B2A}"/>
+              </a:ext>
+            </a:extLst>
+          </p:cNvPr>
+          <p:cNvPicPr>
+            <a:picLocks noGrp="1" noChangeAspect="1"/>
+          </p:cNvPicPr>
           <p:nvPr>
             <p:ph idx="1"/>
           </p:nvPr>
-        </p:nvSpPr>
-        <p:spPr/>
-        <p:txBody>
-          <a:bodyPr/>
-          <a:lstStyle/>
-          <a:p>
-            <a:endParaRPr lang="it-CH"/>
-          </a:p>
-        </p:txBody>
-      </p:sp>
+        </p:nvPicPr>
+        <p:blipFill>
+          <a:blip r:embed="rId3">
+            <a:extLst>
+              <a:ext uri="{28A0092B-C50C-407E-A947-70E740481C1C}">
+                <a14:useLocalDpi xmlns:a14="http://schemas.microsoft.com/office/drawing/2010/main" val="0"/>
+              </a:ext>
+            </a:extLst>
+          </a:blip>
+          <a:stretch>
+            <a:fillRect/>
+          </a:stretch>
+        </p:blipFill>
+        <p:spPr>
+          <a:xfrm>
+            <a:off x="3241766" y="1825625"/>
+            <a:ext cx="5708468" cy="4351338"/>
+          </a:xfrm>
+        </p:spPr>
+      </p:pic>
     </p:spTree>
     <p:extLst>
       <p:ext uri="{BB962C8B-B14F-4D97-AF65-F5344CB8AC3E}">
@@ -4629,7 +5153,7 @@
           <p:nvPr/>
         </p:nvPicPr>
         <p:blipFill rotWithShape="1">
-          <a:blip r:embed="rId2">
+          <a:blip r:embed="rId3">
             <a:extLst>
               <a:ext uri="{28A0092B-C50C-407E-A947-70E740481C1C}">
                 <a14:useLocalDpi xmlns:a14="http://schemas.microsoft.com/office/drawing/2010/main" val="0"/>
@@ -4664,7 +5188,7 @@
           <p:nvPr/>
         </p:nvPicPr>
         <p:blipFill rotWithShape="1">
-          <a:blip r:embed="rId2">
+          <a:blip r:embed="rId3">
             <a:extLst>
               <a:ext uri="{28A0092B-C50C-407E-A947-70E740481C1C}">
                 <a14:useLocalDpi xmlns:a14="http://schemas.microsoft.com/office/drawing/2010/main" val="0"/>
@@ -4705,44 +5229,23 @@
           <a:bodyPr/>
           <a:lstStyle/>
           <a:p>
-            <a:r>
-              <a:rPr lang="it-CH" dirty="0" err="1">
-                <a:solidFill>
-                  <a:schemeClr val="bg1"/>
-                </a:solidFill>
-              </a:rPr>
-              <a:t>Gantt</a:t>
-            </a:r>
             <a:r>
               <a:rPr lang="it-CH" dirty="0">
                 <a:solidFill>
                   <a:schemeClr val="bg1"/>
                 </a:solidFill>
               </a:rPr>
-              <a:t> </a:t>
-            </a:r>
-            <a:r>
-              <a:rPr lang="it-CH" dirty="0" err="1">
-                <a:solidFill>
-                  <a:schemeClr val="bg1"/>
-                </a:solidFill>
-              </a:rPr>
-              <a:t>Consunitovo</a:t>
-            </a:r>
-            <a:endParaRPr lang="it-CH" dirty="0">
-              <a:solidFill>
-                <a:schemeClr val="bg1"/>
-              </a:solidFill>
-            </a:endParaRPr>
+              <a:t>Struttura cartelle</a:t>
+            </a:r>
           </a:p>
         </p:txBody>
       </p:sp>
       <p:pic>
         <p:nvPicPr>
-          <p:cNvPr id="8" name="Segnaposto contenuto 7">
-            <a:extLst>
-              <a:ext uri="{FF2B5EF4-FFF2-40B4-BE49-F238E27FC236}">
-                <a16:creationId xmlns:a16="http://schemas.microsoft.com/office/drawing/2014/main" id="{7179D35D-7F5F-490D-BE8A-EBC612B4B240}"/>
+          <p:cNvPr id="23" name="Segnaposto contenuto 22">
+            <a:extLst>
+              <a:ext uri="{FF2B5EF4-FFF2-40B4-BE49-F238E27FC236}">
+                <a16:creationId xmlns:a16="http://schemas.microsoft.com/office/drawing/2014/main" id="{30540E85-A01C-7B76-634A-9BF6C06D9D08}"/>
               </a:ext>
             </a:extLst>
           </p:cNvPr>
@@ -4754,7 +5257,7 @@
           </p:nvPr>
         </p:nvPicPr>
         <p:blipFill>
-          <a:blip r:embed="rId3">
+          <a:blip r:embed="rId4">
             <a:extLst>
               <a:ext uri="{28A0092B-C50C-407E-A947-70E740481C1C}">
                 <a14:useLocalDpi xmlns:a14="http://schemas.microsoft.com/office/drawing/2010/main" val="0"/>
@@ -4765,30 +5268,195 @@
             <a:fillRect/>
           </a:stretch>
         </p:blipFill>
-        <p:spPr bwMode="auto">
+        <p:spPr>
           <a:xfrm>
-            <a:off x="2272234" y="1825625"/>
-            <a:ext cx="7647532" cy="4351338"/>
+            <a:off x="1927546" y="2552989"/>
+            <a:ext cx="1821872" cy="1821872"/>
+          </a:xfrm>
+        </p:spPr>
+      </p:pic>
+      <p:pic>
+        <p:nvPicPr>
+          <p:cNvPr id="24" name="Segnaposto contenuto 22">
+            <a:extLst>
+              <a:ext uri="{FF2B5EF4-FFF2-40B4-BE49-F238E27FC236}">
+                <a16:creationId xmlns:a16="http://schemas.microsoft.com/office/drawing/2014/main" id="{82CF3CC5-39FA-39FA-A2EE-E2E34ABCC3C1}"/>
+              </a:ext>
+            </a:extLst>
+          </p:cNvPr>
+          <p:cNvPicPr>
+            <a:picLocks noChangeAspect="1"/>
+          </p:cNvPicPr>
+          <p:nvPr/>
+        </p:nvPicPr>
+        <p:blipFill>
+          <a:blip r:embed="rId4">
+            <a:extLst>
+              <a:ext uri="{28A0092B-C50C-407E-A947-70E740481C1C}">
+                <a14:useLocalDpi xmlns:a14="http://schemas.microsoft.com/office/drawing/2010/main" val="0"/>
+              </a:ext>
+            </a:extLst>
+          </a:blip>
+          <a:stretch>
+            <a:fillRect/>
+          </a:stretch>
+        </p:blipFill>
+        <p:spPr>
+          <a:xfrm>
+            <a:off x="5185064" y="2552989"/>
+            <a:ext cx="1821872" cy="1821872"/>
+          </a:xfrm>
+          <a:prstGeom prst="rect">
+            <a:avLst/>
+          </a:prstGeom>
+        </p:spPr>
+      </p:pic>
+      <p:pic>
+        <p:nvPicPr>
+          <p:cNvPr id="25" name="Segnaposto contenuto 22">
+            <a:extLst>
+              <a:ext uri="{FF2B5EF4-FFF2-40B4-BE49-F238E27FC236}">
+                <a16:creationId xmlns:a16="http://schemas.microsoft.com/office/drawing/2014/main" id="{ED6027A5-77CD-D110-077C-F436AC7833E2}"/>
+              </a:ext>
+            </a:extLst>
+          </p:cNvPr>
+          <p:cNvPicPr>
+            <a:picLocks noChangeAspect="1"/>
+          </p:cNvPicPr>
+          <p:nvPr/>
+        </p:nvPicPr>
+        <p:blipFill>
+          <a:blip r:embed="rId4">
+            <a:extLst>
+              <a:ext uri="{28A0092B-C50C-407E-A947-70E740481C1C}">
+                <a14:useLocalDpi xmlns:a14="http://schemas.microsoft.com/office/drawing/2010/main" val="0"/>
+              </a:ext>
+            </a:extLst>
+          </a:blip>
+          <a:stretch>
+            <a:fillRect/>
+          </a:stretch>
+        </p:blipFill>
+        <p:spPr>
+          <a:xfrm>
+            <a:off x="8442582" y="2552989"/>
+            <a:ext cx="1821872" cy="1821872"/>
+          </a:xfrm>
+          <a:prstGeom prst="rect">
+            <a:avLst/>
+          </a:prstGeom>
+        </p:spPr>
+      </p:pic>
+      <p:sp>
+        <p:nvSpPr>
+          <p:cNvPr id="26" name="CasellaDiTesto 25">
+            <a:extLst>
+              <a:ext uri="{FF2B5EF4-FFF2-40B4-BE49-F238E27FC236}">
+                <a16:creationId xmlns:a16="http://schemas.microsoft.com/office/drawing/2014/main" id="{BDCC67F0-07F7-887C-E17A-87DBBECD5561}"/>
+              </a:ext>
+            </a:extLst>
+          </p:cNvPr>
+          <p:cNvSpPr txBox="1"/>
+          <p:nvPr/>
+        </p:nvSpPr>
+        <p:spPr>
+          <a:xfrm>
+            <a:off x="2460622" y="3429000"/>
+            <a:ext cx="755720" cy="369332"/>
           </a:xfrm>
           <a:prstGeom prst="rect">
             <a:avLst/>
           </a:prstGeom>
           <a:noFill/>
-          <a:extLst>
-            <a:ext uri="{909E8E84-426E-40DD-AFC4-6F175D3DCCD1}">
-              <a14:hiddenFill xmlns:a14="http://schemas.microsoft.com/office/drawing/2010/main">
-                <a:solidFill>
-                  <a:srgbClr val="FFFFFF"/>
-                </a:solidFill>
-              </a14:hiddenFill>
-            </a:ext>
-          </a:extLst>
-        </p:spPr>
-      </p:pic>
+        </p:spPr>
+        <p:txBody>
+          <a:bodyPr wrap="none" rtlCol="0">
+            <a:spAutoFit/>
+          </a:bodyPr>
+          <a:lstStyle/>
+          <a:p>
+            <a:r>
+              <a:rPr lang="it-CH" dirty="0"/>
+              <a:t>assets</a:t>
+            </a:r>
+          </a:p>
+        </p:txBody>
+      </p:sp>
+      <p:sp>
+        <p:nvSpPr>
+          <p:cNvPr id="27" name="CasellaDiTesto 26">
+            <a:extLst>
+              <a:ext uri="{FF2B5EF4-FFF2-40B4-BE49-F238E27FC236}">
+                <a16:creationId xmlns:a16="http://schemas.microsoft.com/office/drawing/2014/main" id="{CC866D2E-2054-64BB-80F3-55A4AF90DAC9}"/>
+              </a:ext>
+            </a:extLst>
+          </p:cNvPr>
+          <p:cNvSpPr txBox="1"/>
+          <p:nvPr/>
+        </p:nvSpPr>
+        <p:spPr>
+          <a:xfrm>
+            <a:off x="5676964" y="3429000"/>
+            <a:ext cx="848502" cy="369332"/>
+          </a:xfrm>
+          <a:prstGeom prst="rect">
+            <a:avLst/>
+          </a:prstGeom>
+          <a:noFill/>
+        </p:spPr>
+        <p:txBody>
+          <a:bodyPr wrap="none" rtlCol="0">
+            <a:spAutoFit/>
+          </a:bodyPr>
+          <a:lstStyle/>
+          <a:p>
+            <a:r>
+              <a:rPr lang="it-CH" dirty="0"/>
+              <a:t>libreria</a:t>
+            </a:r>
+          </a:p>
+        </p:txBody>
+      </p:sp>
+      <p:sp>
+        <p:nvSpPr>
+          <p:cNvPr id="28" name="CasellaDiTesto 27">
+            <a:extLst>
+              <a:ext uri="{FF2B5EF4-FFF2-40B4-BE49-F238E27FC236}">
+                <a16:creationId xmlns:a16="http://schemas.microsoft.com/office/drawing/2014/main" id="{C1F8C39F-7C52-37FB-1295-36FF9FB916FD}"/>
+              </a:ext>
+            </a:extLst>
+          </p:cNvPr>
+          <p:cNvSpPr txBox="1"/>
+          <p:nvPr/>
+        </p:nvSpPr>
+        <p:spPr>
+          <a:xfrm>
+            <a:off x="8613518" y="3429000"/>
+            <a:ext cx="1596143" cy="369332"/>
+          </a:xfrm>
+          <a:prstGeom prst="rect">
+            <a:avLst/>
+          </a:prstGeom>
+          <a:noFill/>
+        </p:spPr>
+        <p:txBody>
+          <a:bodyPr wrap="none" rtlCol="0">
+            <a:spAutoFit/>
+          </a:bodyPr>
+          <a:lstStyle/>
+          <a:p>
+            <a:r>
+              <a:rPr lang="it-CH" dirty="0" err="1"/>
+              <a:t>space_asteroid</a:t>
+            </a:r>
+            <a:endParaRPr lang="it-CH" dirty="0"/>
+          </a:p>
+        </p:txBody>
+      </p:sp>
     </p:spTree>
     <p:extLst>
       <p:ext uri="{BB962C8B-B14F-4D97-AF65-F5344CB8AC3E}">
-        <p14:creationId xmlns:p14="http://schemas.microsoft.com/office/powerpoint/2010/main" val="241058420"/>
+        <p14:creationId xmlns:p14="http://schemas.microsoft.com/office/powerpoint/2010/main" val="2486098042"/>
       </p:ext>
     </p:extLst>
   </p:cSld>
@@ -4907,22 +5575,43 @@
           <a:lstStyle/>
           <a:p>
             <a:r>
+              <a:rPr lang="it-CH" dirty="0" err="1">
+                <a:solidFill>
+                  <a:schemeClr val="bg1"/>
+                </a:solidFill>
+              </a:rPr>
+              <a:t>Gantt</a:t>
+            </a:r>
+            <a:r>
               <a:rPr lang="it-CH" dirty="0">
                 <a:solidFill>
                   <a:schemeClr val="bg1"/>
                 </a:solidFill>
               </a:rPr>
-              <a:t>Analisi </a:t>
-            </a:r>
+              <a:t> </a:t>
+            </a:r>
+            <a:r>
+              <a:rPr lang="it-CH" dirty="0" err="1">
+                <a:solidFill>
+                  <a:schemeClr val="bg1"/>
+                </a:solidFill>
+              </a:rPr>
+              <a:t>Consunitovo</a:t>
+            </a:r>
+            <a:endParaRPr lang="it-CH" dirty="0">
+              <a:solidFill>
+                <a:schemeClr val="bg1"/>
+              </a:solidFill>
+            </a:endParaRPr>
           </a:p>
         </p:txBody>
       </p:sp>
       <p:pic>
         <p:nvPicPr>
-          <p:cNvPr id="9" name="Segnaposto contenuto 8">
-            <a:extLst>
-              <a:ext uri="{FF2B5EF4-FFF2-40B4-BE49-F238E27FC236}">
-                <a16:creationId xmlns:a16="http://schemas.microsoft.com/office/drawing/2014/main" id="{82221488-114A-4771-82B9-9EFB4120DDBC}"/>
+          <p:cNvPr id="8" name="Segnaposto contenuto 7">
+            <a:extLst>
+              <a:ext uri="{FF2B5EF4-FFF2-40B4-BE49-F238E27FC236}">
+                <a16:creationId xmlns:a16="http://schemas.microsoft.com/office/drawing/2014/main" id="{7179D35D-7F5F-490D-BE8A-EBC612B4B240}"/>
               </a:ext>
             </a:extLst>
           </p:cNvPr>
@@ -4933,7 +5622,7 @@
             <p:ph idx="1"/>
           </p:nvPr>
         </p:nvPicPr>
-        <p:blipFill rotWithShape="1">
+        <p:blipFill>
           <a:blip r:embed="rId3">
             <a:extLst>
               <a:ext uri="{28A0092B-C50C-407E-A947-70E740481C1C}">
@@ -4941,133 +5630,34 @@
               </a:ext>
             </a:extLst>
           </a:blip>
-          <a:srcRect l="5624" t="1" r="25447" b="900"/>
-          <a:stretch/>
+          <a:stretch>
+            <a:fillRect/>
+          </a:stretch>
         </p:blipFill>
-        <p:spPr>
+        <p:spPr bwMode="auto">
           <a:xfrm>
-            <a:off x="3611770" y="4194932"/>
-            <a:ext cx="5686532" cy="1047897"/>
-          </a:xfrm>
-        </p:spPr>
-      </p:pic>
-      <p:pic>
-        <p:nvPicPr>
-          <p:cNvPr id="11" name="Immagine 10">
-            <a:extLst>
-              <a:ext uri="{FF2B5EF4-FFF2-40B4-BE49-F238E27FC236}">
-                <a16:creationId xmlns:a16="http://schemas.microsoft.com/office/drawing/2014/main" id="{FA5B5ACC-7854-4253-8779-B6500D6C8B42}"/>
-              </a:ext>
-            </a:extLst>
-          </p:cNvPr>
-          <p:cNvPicPr>
-            <a:picLocks noChangeAspect="1"/>
-          </p:cNvPicPr>
-          <p:nvPr/>
-        </p:nvPicPr>
-        <p:blipFill rotWithShape="1">
-          <a:blip r:embed="rId4">
-            <a:extLst>
-              <a:ext uri="{28A0092B-C50C-407E-A947-70E740481C1C}">
-                <a14:useLocalDpi xmlns:a14="http://schemas.microsoft.com/office/drawing/2010/main" val="0"/>
-              </a:ext>
-            </a:extLst>
-          </a:blip>
-          <a:srcRect l="7220" r="10151"/>
-          <a:stretch/>
-        </p:blipFill>
-        <p:spPr>
-          <a:xfrm>
-            <a:off x="3611770" y="2139120"/>
-            <a:ext cx="5722565" cy="1047896"/>
-          </a:xfrm>
-          <a:prstGeom prst="rect">
-            <a:avLst/>
-          </a:prstGeom>
-        </p:spPr>
-      </p:pic>
-      <p:sp>
-        <p:nvSpPr>
-          <p:cNvPr id="12" name="CasellaDiTesto 11">
-            <a:extLst>
-              <a:ext uri="{FF2B5EF4-FFF2-40B4-BE49-F238E27FC236}">
-                <a16:creationId xmlns:a16="http://schemas.microsoft.com/office/drawing/2014/main" id="{D820FFD3-EACA-4E56-9181-F0E00CFBA486}"/>
-              </a:ext>
-            </a:extLst>
-          </p:cNvPr>
-          <p:cNvSpPr txBox="1"/>
-          <p:nvPr/>
-        </p:nvSpPr>
-        <p:spPr>
-          <a:xfrm>
-            <a:off x="2147865" y="2483249"/>
-            <a:ext cx="1539551" cy="369332"/>
+            <a:off x="2272234" y="1825625"/>
+            <a:ext cx="7647532" cy="4351338"/>
           </a:xfrm>
           <a:prstGeom prst="rect">
             <a:avLst/>
           </a:prstGeom>
           <a:noFill/>
-        </p:spPr>
-        <p:txBody>
-          <a:bodyPr wrap="square" rtlCol="0">
-            <a:spAutoFit/>
-          </a:bodyPr>
-          <a:lstStyle/>
-          <a:p>
-            <a:r>
-              <a:rPr lang="it-CH" dirty="0">
+          <a:extLst>
+            <a:ext uri="{909E8E84-426E-40DD-AFC4-6F175D3DCCD1}">
+              <a14:hiddenFill xmlns:a14="http://schemas.microsoft.com/office/drawing/2010/main">
                 <a:solidFill>
-                  <a:schemeClr val="bg1"/>
+                  <a:srgbClr val="FFFFFF"/>
                 </a:solidFill>
-              </a:rPr>
-              <a:t>Preventivo</a:t>
-            </a:r>
-          </a:p>
-        </p:txBody>
-      </p:sp>
-      <p:sp>
-        <p:nvSpPr>
-          <p:cNvPr id="13" name="CasellaDiTesto 12">
-            <a:extLst>
-              <a:ext uri="{FF2B5EF4-FFF2-40B4-BE49-F238E27FC236}">
-                <a16:creationId xmlns:a16="http://schemas.microsoft.com/office/drawing/2014/main" id="{CB03F18A-B509-4148-AAD1-B157C8502193}"/>
-              </a:ext>
-            </a:extLst>
-          </p:cNvPr>
-          <p:cNvSpPr txBox="1"/>
-          <p:nvPr/>
-        </p:nvSpPr>
-        <p:spPr>
-          <a:xfrm>
-            <a:off x="2072219" y="4534214"/>
-            <a:ext cx="1539551" cy="369332"/>
-          </a:xfrm>
-          <a:prstGeom prst="rect">
-            <a:avLst/>
-          </a:prstGeom>
-          <a:noFill/>
-        </p:spPr>
-        <p:txBody>
-          <a:bodyPr wrap="square" rtlCol="0">
-            <a:spAutoFit/>
-          </a:bodyPr>
-          <a:lstStyle/>
-          <a:p>
-            <a:r>
-              <a:rPr lang="it-CH" dirty="0">
-                <a:solidFill>
-                  <a:schemeClr val="bg1"/>
-                </a:solidFill>
-              </a:rPr>
-              <a:t>Consuntivo</a:t>
-            </a:r>
-          </a:p>
-        </p:txBody>
-      </p:sp>
+              </a14:hiddenFill>
+            </a:ext>
+          </a:extLst>
+        </p:spPr>
+      </p:pic>
     </p:spTree>
     <p:extLst>
       <p:ext uri="{BB962C8B-B14F-4D97-AF65-F5344CB8AC3E}">
-        <p14:creationId xmlns:p14="http://schemas.microsoft.com/office/powerpoint/2010/main" val="1717693815"/>
+        <p14:creationId xmlns:p14="http://schemas.microsoft.com/office/powerpoint/2010/main" val="241058420"/>
       </p:ext>
     </p:extLst>
   </p:cSld>
@@ -5191,7 +5781,7 @@
                   <a:schemeClr val="bg1"/>
                 </a:solidFill>
               </a:rPr>
-              <a:t>Progettazione  </a:t>
+              <a:t>Analisi </a:t>
             </a:r>
           </a:p>
         </p:txBody>
@@ -5220,13 +5810,13 @@
               </a:ext>
             </a:extLst>
           </a:blip>
-          <a:srcRect l="5525" r="27008"/>
+          <a:srcRect l="5624" t="1" r="25447" b="900"/>
           <a:stretch/>
         </p:blipFill>
         <p:spPr>
           <a:xfrm>
-            <a:off x="3538371" y="4005420"/>
-            <a:ext cx="5115257" cy="1141547"/>
+            <a:off x="3611770" y="4194932"/>
+            <a:ext cx="5686532" cy="1047897"/>
           </a:xfrm>
         </p:spPr>
       </p:pic>
@@ -5245,20 +5835,20 @@
           <p:nvPr/>
         </p:nvPicPr>
         <p:blipFill rotWithShape="1">
-          <a:blip r:embed="rId3">
+          <a:blip r:embed="rId4">
             <a:extLst>
               <a:ext uri="{28A0092B-C50C-407E-A947-70E740481C1C}">
                 <a14:useLocalDpi xmlns:a14="http://schemas.microsoft.com/office/drawing/2010/main" val="0"/>
               </a:ext>
             </a:extLst>
           </a:blip>
-          <a:srcRect l="5632" r="26285" b="-1983"/>
+          <a:srcRect l="7220" r="10151"/>
           <a:stretch/>
         </p:blipFill>
         <p:spPr>
           <a:xfrm>
-            <a:off x="3611770" y="2029970"/>
-            <a:ext cx="4793147" cy="1080978"/>
+            <a:off x="3611770" y="2139120"/>
+            <a:ext cx="5722565" cy="1047896"/>
           </a:xfrm>
           <a:prstGeom prst="rect">
             <a:avLst/>
@@ -5346,7 +5936,7 @@
     </p:spTree>
     <p:extLst>
       <p:ext uri="{BB962C8B-B14F-4D97-AF65-F5344CB8AC3E}">
-        <p14:creationId xmlns:p14="http://schemas.microsoft.com/office/powerpoint/2010/main" val="372443798"/>
+        <p14:creationId xmlns:p14="http://schemas.microsoft.com/office/powerpoint/2010/main" val="1717693815"/>
       </p:ext>
     </p:extLst>
   </p:cSld>
@@ -5470,7 +6060,7 @@
                   <a:schemeClr val="bg1"/>
                 </a:solidFill>
               </a:rPr>
-              <a:t>Implementazione </a:t>
+              <a:t>Progettazione  </a:t>
             </a:r>
           </a:p>
         </p:txBody>
@@ -5499,13 +6089,13 @@
               </a:ext>
             </a:extLst>
           </a:blip>
-          <a:srcRect l="2719" r="61360"/>
+          <a:srcRect l="5525" r="27008"/>
           <a:stretch/>
         </p:blipFill>
         <p:spPr>
           <a:xfrm>
-            <a:off x="7248631" y="2425145"/>
-            <a:ext cx="4105169" cy="3750541"/>
+            <a:off x="3538371" y="4005420"/>
+            <a:ext cx="5115257" cy="1141547"/>
           </a:xfrm>
         </p:spPr>
       </p:pic>
@@ -5524,20 +6114,20 @@
           <p:nvPr/>
         </p:nvPicPr>
         <p:blipFill rotWithShape="1">
-          <a:blip r:embed="rId4">
+          <a:blip r:embed="rId3">
             <a:extLst>
               <a:ext uri="{28A0092B-C50C-407E-A947-70E740481C1C}">
                 <a14:useLocalDpi xmlns:a14="http://schemas.microsoft.com/office/drawing/2010/main" val="0"/>
               </a:ext>
             </a:extLst>
           </a:blip>
-          <a:srcRect l="3314" r="61480"/>
+          <a:srcRect l="5632" r="26285" b="-1983"/>
           <a:stretch/>
         </p:blipFill>
         <p:spPr>
           <a:xfrm>
-            <a:off x="838200" y="2768263"/>
-            <a:ext cx="4682075" cy="3287465"/>
+            <a:off x="3611770" y="2029970"/>
+            <a:ext cx="4793147" cy="1080978"/>
           </a:xfrm>
           <a:prstGeom prst="rect">
             <a:avLst/>
@@ -5558,7 +6148,7 @@
         </p:nvSpPr>
         <p:spPr>
           <a:xfrm>
-            <a:off x="1869569" y="1710219"/>
+            <a:off x="2147865" y="2483249"/>
             <a:ext cx="1539551" cy="369332"/>
           </a:xfrm>
           <a:prstGeom prst="rect">
@@ -5597,7 +6187,7 @@
         </p:nvSpPr>
         <p:spPr>
           <a:xfrm>
-            <a:off x="8528526" y="2055813"/>
+            <a:off x="2072219" y="4534214"/>
             <a:ext cx="1539551" cy="369332"/>
           </a:xfrm>
           <a:prstGeom prst="rect">
@@ -5625,7 +6215,7 @@
     </p:spTree>
     <p:extLst>
       <p:ext uri="{BB962C8B-B14F-4D97-AF65-F5344CB8AC3E}">
-        <p14:creationId xmlns:p14="http://schemas.microsoft.com/office/powerpoint/2010/main" val="480627195"/>
+        <p14:creationId xmlns:p14="http://schemas.microsoft.com/office/powerpoint/2010/main" val="372443798"/>
       </p:ext>
     </p:extLst>
   </p:cSld>
@@ -5657,7 +6247,7 @@
           <p:cNvPr id="5" name="Immagine 4">
             <a:extLst>
               <a:ext uri="{FF2B5EF4-FFF2-40B4-BE49-F238E27FC236}">
-                <a16:creationId xmlns:a16="http://schemas.microsoft.com/office/drawing/2014/main" id="{E2F58EAB-F822-42D2-817D-50903B29B818}"/>
+                <a16:creationId xmlns:a16="http://schemas.microsoft.com/office/drawing/2014/main" id="{461319AA-4B9D-4C4A-A282-F10BB60483BC}"/>
               </a:ext>
             </a:extLst>
           </p:cNvPr>
@@ -5674,13 +6264,13 @@
               </a:ext>
             </a:extLst>
           </a:blip>
-          <a:srcRect l="10995"/>
+          <a:srcRect l="55393" r="-35699"/>
           <a:stretch/>
         </p:blipFill>
         <p:spPr>
-          <a:xfrm>
-            <a:off x="0" y="0"/>
-            <a:ext cx="8121618" cy="6858000"/>
+          <a:xfrm flipH="1">
+            <a:off x="4864100" y="0"/>
+            <a:ext cx="7327900" cy="6858000"/>
           </a:xfrm>
           <a:prstGeom prst="rect">
             <a:avLst/>
@@ -5689,10 +6279,10 @@
       </p:pic>
       <p:pic>
         <p:nvPicPr>
-          <p:cNvPr id="6" name="Immagine 5">
-            <a:extLst>
-              <a:ext uri="{FF2B5EF4-FFF2-40B4-BE49-F238E27FC236}">
-                <a16:creationId xmlns:a16="http://schemas.microsoft.com/office/drawing/2014/main" id="{032EFB02-A9AE-461B-B065-ABE8B9844E40}"/>
+          <p:cNvPr id="4" name="Immagine 3">
+            <a:extLst>
+              <a:ext uri="{FF2B5EF4-FFF2-40B4-BE49-F238E27FC236}">
+                <a16:creationId xmlns:a16="http://schemas.microsoft.com/office/drawing/2014/main" id="{FB8E5214-8C1B-4F93-A824-E52DEEA84C06}"/>
               </a:ext>
             </a:extLst>
           </p:cNvPr>
@@ -5709,13 +6299,13 @@
               </a:ext>
             </a:extLst>
           </a:blip>
-          <a:srcRect l="55393" r="-35699"/>
+          <a:srcRect l="10995"/>
           <a:stretch/>
         </p:blipFill>
         <p:spPr>
-          <a:xfrm flipH="1">
-            <a:off x="4864100" y="0"/>
-            <a:ext cx="7327900" cy="6858000"/>
+          <a:xfrm>
+            <a:off x="0" y="0"/>
+            <a:ext cx="8121618" cy="6858000"/>
           </a:xfrm>
           <a:prstGeom prst="rect">
             <a:avLst/>
@@ -5724,50 +6314,68 @@
       </p:pic>
       <p:sp>
         <p:nvSpPr>
-          <p:cNvPr id="3" name="Sottotitolo 2">
-            <a:extLst>
-              <a:ext uri="{FF2B5EF4-FFF2-40B4-BE49-F238E27FC236}">
-                <a16:creationId xmlns:a16="http://schemas.microsoft.com/office/drawing/2014/main" id="{16F60309-FE01-4199-B30D-86DF08EF4A0D}"/>
-              </a:ext>
-            </a:extLst>
-          </p:cNvPr>
-          <p:cNvSpPr>
-            <a:spLocks noGrp="1"/>
-          </p:cNvSpPr>
-          <p:nvPr>
-            <p:ph type="subTitle" idx="1"/>
-          </p:nvPr>
-        </p:nvSpPr>
-        <p:spPr>
-          <a:xfrm>
-            <a:off x="8928100" y="0"/>
-            <a:ext cx="3263900" cy="6858000"/>
-          </a:xfrm>
-        </p:spPr>
-        <p:txBody>
-          <a:bodyPr>
-            <a:normAutofit/>
-          </a:bodyPr>
+          <p:cNvPr id="2" name="Titolo 1">
+            <a:extLst>
+              <a:ext uri="{FF2B5EF4-FFF2-40B4-BE49-F238E27FC236}">
+                <a16:creationId xmlns:a16="http://schemas.microsoft.com/office/drawing/2014/main" id="{758820D5-6773-422D-84EE-FDC23A349272}"/>
+              </a:ext>
+            </a:extLst>
+          </p:cNvPr>
+          <p:cNvSpPr>
+            <a:spLocks noGrp="1"/>
+          </p:cNvSpPr>
+          <p:nvPr>
+            <p:ph type="title"/>
+          </p:nvPr>
+        </p:nvSpPr>
+        <p:spPr/>
+        <p:txBody>
+          <a:bodyPr/>
           <a:lstStyle/>
           <a:p>
-            <a:pPr algn="l">
-              <a:spcBef>
-                <a:spcPct val="0"/>
-              </a:spcBef>
-              <a:buSzPct val="125000"/>
-            </a:pPr>
-            <a:r>
-              <a:rPr lang="it-IT" sz="6600" cap="all" dirty="0">
+            <a:r>
+              <a:rPr lang="it-CH" b="1" dirty="0">
                 <a:solidFill>
                   <a:schemeClr val="bg1"/>
                 </a:solidFill>
-                <a:latin typeface="+mj-lt"/>
-                <a:ea typeface="+mj-ea"/>
-                <a:cs typeface="+mj-cs"/>
               </a:rPr>
               <a:t>Indice</a:t>
             </a:r>
-          </a:p>
+            <a:endParaRPr lang="it-CH" dirty="0">
+              <a:solidFill>
+                <a:schemeClr val="bg1"/>
+              </a:solidFill>
+            </a:endParaRPr>
+          </a:p>
+        </p:txBody>
+      </p:sp>
+      <p:sp>
+        <p:nvSpPr>
+          <p:cNvPr id="3" name="Segnaposto contenuto 2">
+            <a:extLst>
+              <a:ext uri="{FF2B5EF4-FFF2-40B4-BE49-F238E27FC236}">
+                <a16:creationId xmlns:a16="http://schemas.microsoft.com/office/drawing/2014/main" id="{7F9FAEFD-785C-40E2-9C50-A6A540AEDB37}"/>
+              </a:ext>
+            </a:extLst>
+          </p:cNvPr>
+          <p:cNvSpPr>
+            <a:spLocks noGrp="1"/>
+          </p:cNvSpPr>
+          <p:nvPr>
+            <p:ph idx="1"/>
+          </p:nvPr>
+        </p:nvSpPr>
+        <p:spPr>
+          <a:xfrm>
+            <a:off x="838200" y="1825625"/>
+            <a:ext cx="10515600" cy="4351338"/>
+          </a:xfrm>
+        </p:spPr>
+        <p:txBody>
+          <a:bodyPr>
+            <a:normAutofit lnSpcReduction="10000"/>
+          </a:bodyPr>
+          <a:lstStyle/>
           <a:p>
             <a:pPr marL="228600" indent="-228600" algn="l">
               <a:buSzPct val="125000"/>
@@ -5775,7 +6383,7 @@
               <a:buChar char="•"/>
             </a:pPr>
             <a:r>
-              <a:rPr lang="it-IT" sz="3000" dirty="0">
+              <a:rPr lang="it-IT" sz="2800" dirty="0">
                 <a:solidFill>
                   <a:schemeClr val="bg1"/>
                 </a:solidFill>
@@ -5790,7 +6398,7 @@
               <a:buChar char="•"/>
             </a:pPr>
             <a:r>
-              <a:rPr lang="it-IT" sz="3000" dirty="0">
+              <a:rPr lang="it-IT" sz="2800" dirty="0">
                 <a:solidFill>
                   <a:schemeClr val="bg1"/>
                 </a:solidFill>
@@ -5805,7 +6413,7 @@
               <a:buChar char="•"/>
             </a:pPr>
             <a:r>
-              <a:rPr lang="it-IT" sz="3000" dirty="0">
+              <a:rPr lang="it-IT" sz="2800" dirty="0">
                 <a:solidFill>
                   <a:schemeClr val="bg1"/>
                 </a:solidFill>
@@ -5820,7 +6428,7 @@
               <a:buChar char="•"/>
             </a:pPr>
             <a:r>
-              <a:rPr lang="it-IT" sz="3000" dirty="0">
+              <a:rPr lang="it-IT" sz="2800" dirty="0">
                 <a:solidFill>
                   <a:schemeClr val="bg1"/>
                 </a:solidFill>
@@ -5835,7 +6443,7 @@
               <a:buChar char="•"/>
             </a:pPr>
             <a:r>
-              <a:rPr lang="it-IT" sz="3000" dirty="0">
+              <a:rPr lang="it-IT" sz="2800" dirty="0">
                 <a:solidFill>
                   <a:schemeClr val="bg1"/>
                 </a:solidFill>
@@ -5850,18 +6458,13 @@
               <a:buChar char="•"/>
             </a:pPr>
             <a:r>
-              <a:rPr lang="it-IT" sz="3000" dirty="0" err="1">
+              <a:rPr lang="it-IT" sz="2800" dirty="0">
                 <a:solidFill>
                   <a:schemeClr val="bg1"/>
                 </a:solidFill>
               </a:rPr>
               <a:t>Packages</a:t>
             </a:r>
-            <a:endParaRPr lang="it-IT" sz="3000" dirty="0">
-              <a:solidFill>
-                <a:schemeClr val="bg1"/>
-              </a:solidFill>
-            </a:endParaRPr>
           </a:p>
           <a:p>
             <a:pPr marL="228600" indent="-228600" algn="l">
@@ -5870,14 +6473,14 @@
               <a:buChar char="•"/>
             </a:pPr>
             <a:r>
-              <a:rPr lang="it-IT" sz="3000" dirty="0" err="1">
+              <a:rPr lang="it-IT" sz="2800" dirty="0" err="1">
                 <a:solidFill>
                   <a:schemeClr val="bg1"/>
                 </a:solidFill>
               </a:rPr>
               <a:t>Consunitvo</a:t>
             </a:r>
-            <a:endParaRPr lang="it-IT" sz="3000" dirty="0">
+            <a:endParaRPr lang="it-IT" sz="2800" dirty="0">
               <a:solidFill>
                 <a:schemeClr val="bg1"/>
               </a:solidFill>
@@ -5890,7 +6493,7 @@
               <a:buChar char="•"/>
             </a:pPr>
             <a:r>
-              <a:rPr lang="it-IT" sz="3000" dirty="0">
+              <a:rPr lang="it-IT" sz="2800" dirty="0">
                 <a:solidFill>
                   <a:schemeClr val="bg1"/>
                 </a:solidFill>
@@ -5905,7 +6508,7 @@
               <a:buChar char="•"/>
             </a:pPr>
             <a:r>
-              <a:rPr lang="it-IT" sz="3000" dirty="0">
+              <a:rPr lang="it-IT" sz="2800" dirty="0">
                 <a:solidFill>
                   <a:schemeClr val="bg1"/>
                 </a:solidFill>
@@ -5920,64 +6523,25 @@
               </a:rPr>
               <a:t>	</a:t>
             </a:r>
-          </a:p>
-        </p:txBody>
-      </p:sp>
-      <p:sp>
-        <p:nvSpPr>
-          <p:cNvPr id="7" name="Rettangolo 6">
-            <a:extLst>
-              <a:ext uri="{FF2B5EF4-FFF2-40B4-BE49-F238E27FC236}">
-                <a16:creationId xmlns:a16="http://schemas.microsoft.com/office/drawing/2014/main" id="{70E00795-948C-40E5-8773-66432B857F2C}"/>
-              </a:ext>
-            </a:extLst>
-          </p:cNvPr>
-          <p:cNvSpPr/>
-          <p:nvPr/>
-        </p:nvSpPr>
-        <p:spPr>
-          <a:xfrm>
-            <a:off x="7664418" y="0"/>
-            <a:ext cx="914400" cy="444500"/>
-          </a:xfrm>
-          <a:prstGeom prst="rect">
-            <a:avLst/>
-          </a:prstGeom>
-          <a:ln>
-            <a:solidFill>
-              <a:schemeClr val="tx1"/>
-            </a:solidFill>
-          </a:ln>
-        </p:spPr>
-        <p:style>
-          <a:lnRef idx="2">
-            <a:schemeClr val="dk1">
-              <a:shade val="50000"/>
-            </a:schemeClr>
-          </a:lnRef>
-          <a:fillRef idx="1">
-            <a:schemeClr val="dk1"/>
-          </a:fillRef>
-          <a:effectRef idx="0">
-            <a:schemeClr val="dk1"/>
-          </a:effectRef>
-          <a:fontRef idx="minor">
-            <a:schemeClr val="lt1"/>
-          </a:fontRef>
-        </p:style>
-        <p:txBody>
-          <a:bodyPr rtlCol="0" anchor="ctr"/>
-          <a:lstStyle/>
-          <a:p>
-            <a:pPr algn="ctr"/>
-            <a:endParaRPr lang="it-CH"/>
+            <a:endParaRPr lang="it-CH" dirty="0">
+              <a:solidFill>
+                <a:schemeClr val="bg1"/>
+              </a:solidFill>
+            </a:endParaRPr>
+          </a:p>
+          <a:p>
+            <a:endParaRPr lang="it-CH" dirty="0">
+              <a:solidFill>
+                <a:schemeClr val="bg1"/>
+              </a:solidFill>
+            </a:endParaRPr>
           </a:p>
         </p:txBody>
       </p:sp>
     </p:spTree>
     <p:extLst>
       <p:ext uri="{BB962C8B-B14F-4D97-AF65-F5344CB8AC3E}">
-        <p14:creationId xmlns:p14="http://schemas.microsoft.com/office/powerpoint/2010/main" val="2370865713"/>
+        <p14:creationId xmlns:p14="http://schemas.microsoft.com/office/powerpoint/2010/main" val="2858085908"/>
       </p:ext>
     </p:extLst>
   </p:cSld>
@@ -6101,7 +6665,7 @@
                   <a:schemeClr val="bg1"/>
                 </a:solidFill>
               </a:rPr>
-              <a:t>Testing</a:t>
+              <a:t>Implementazione </a:t>
             </a:r>
           </a:p>
         </p:txBody>
@@ -6130,13 +6694,13 @@
               </a:ext>
             </a:extLst>
           </a:blip>
-          <a:srcRect l="2914" t="-1" r="61816" b="-36542"/>
+          <a:srcRect l="2719" r="61360"/>
           <a:stretch/>
         </p:blipFill>
         <p:spPr>
           <a:xfrm>
-            <a:off x="3382824" y="4320976"/>
-            <a:ext cx="5691602" cy="1165139"/>
+            <a:off x="7248631" y="2425145"/>
+            <a:ext cx="4105169" cy="3750541"/>
           </a:xfrm>
         </p:spPr>
       </p:pic>
@@ -6155,20 +6719,20 @@
           <p:nvPr/>
         </p:nvPicPr>
         <p:blipFill rotWithShape="1">
-          <a:blip r:embed="rId3">
+          <a:blip r:embed="rId4">
             <a:extLst>
               <a:ext uri="{28A0092B-C50C-407E-A947-70E740481C1C}">
                 <a14:useLocalDpi xmlns:a14="http://schemas.microsoft.com/office/drawing/2010/main" val="0"/>
               </a:ext>
             </a:extLst>
           </a:blip>
-          <a:srcRect l="2688" r="61525" b="1127"/>
+          <a:srcRect l="3314" r="61480"/>
           <a:stretch/>
         </p:blipFill>
         <p:spPr>
           <a:xfrm>
-            <a:off x="3382824" y="2191530"/>
-            <a:ext cx="6089167" cy="889599"/>
+            <a:off x="838200" y="2768263"/>
+            <a:ext cx="4682075" cy="3287465"/>
           </a:xfrm>
           <a:prstGeom prst="rect">
             <a:avLst/>
@@ -6189,7 +6753,7 @@
         </p:nvSpPr>
         <p:spPr>
           <a:xfrm>
-            <a:off x="2147865" y="2483249"/>
+            <a:off x="1869569" y="1710219"/>
             <a:ext cx="1539551" cy="369332"/>
           </a:xfrm>
           <a:prstGeom prst="rect">
@@ -6228,7 +6792,7 @@
         </p:nvSpPr>
         <p:spPr>
           <a:xfrm>
-            <a:off x="2072219" y="4534214"/>
+            <a:off x="8528526" y="2055813"/>
             <a:ext cx="1539551" cy="369332"/>
           </a:xfrm>
           <a:prstGeom prst="rect">
@@ -6256,7 +6820,7 @@
     </p:spTree>
     <p:extLst>
       <p:ext uri="{BB962C8B-B14F-4D97-AF65-F5344CB8AC3E}">
-        <p14:creationId xmlns:p14="http://schemas.microsoft.com/office/powerpoint/2010/main" val="2933601493"/>
+        <p14:creationId xmlns:p14="http://schemas.microsoft.com/office/powerpoint/2010/main" val="480627195"/>
       </p:ext>
     </p:extLst>
   </p:cSld>
@@ -6380,30 +6944,106 @@
                   <a:schemeClr val="bg1"/>
                 </a:solidFill>
               </a:rPr>
-              <a:t>Sviluppi futuri</a:t>
-            </a:r>
-          </a:p>
-        </p:txBody>
-      </p:sp>
-      <p:sp>
-        <p:nvSpPr>
-          <p:cNvPr id="6" name="Segnaposto contenuto 5">
-            <a:extLst>
-              <a:ext uri="{FF2B5EF4-FFF2-40B4-BE49-F238E27FC236}">
-                <a16:creationId xmlns:a16="http://schemas.microsoft.com/office/drawing/2014/main" id="{F59A7324-36ED-472F-96F5-4E01AA6CBE14}"/>
-              </a:ext>
-            </a:extLst>
-          </p:cNvPr>
-          <p:cNvSpPr>
-            <a:spLocks noGrp="1"/>
-          </p:cNvSpPr>
+              <a:t>Testing</a:t>
+            </a:r>
+          </a:p>
+        </p:txBody>
+      </p:sp>
+      <p:pic>
+        <p:nvPicPr>
+          <p:cNvPr id="9" name="Segnaposto contenuto 8">
+            <a:extLst>
+              <a:ext uri="{FF2B5EF4-FFF2-40B4-BE49-F238E27FC236}">
+                <a16:creationId xmlns:a16="http://schemas.microsoft.com/office/drawing/2014/main" id="{82221488-114A-4771-82B9-9EFB4120DDBC}"/>
+              </a:ext>
+            </a:extLst>
+          </p:cNvPr>
+          <p:cNvPicPr>
+            <a:picLocks noGrp="1" noChangeAspect="1"/>
+          </p:cNvPicPr>
           <p:nvPr>
             <p:ph idx="1"/>
           </p:nvPr>
-        </p:nvSpPr>
-        <p:spPr/>
-        <p:txBody>
-          <a:bodyPr/>
+        </p:nvPicPr>
+        <p:blipFill rotWithShape="1">
+          <a:blip r:embed="rId3">
+            <a:extLst>
+              <a:ext uri="{28A0092B-C50C-407E-A947-70E740481C1C}">
+                <a14:useLocalDpi xmlns:a14="http://schemas.microsoft.com/office/drawing/2010/main" val="0"/>
+              </a:ext>
+            </a:extLst>
+          </a:blip>
+          <a:srcRect l="2914" t="-1" r="61816" b="-36542"/>
+          <a:stretch/>
+        </p:blipFill>
+        <p:spPr>
+          <a:xfrm>
+            <a:off x="3382824" y="4320976"/>
+            <a:ext cx="5691602" cy="1165139"/>
+          </a:xfrm>
+        </p:spPr>
+      </p:pic>
+      <p:pic>
+        <p:nvPicPr>
+          <p:cNvPr id="11" name="Immagine 10">
+            <a:extLst>
+              <a:ext uri="{FF2B5EF4-FFF2-40B4-BE49-F238E27FC236}">
+                <a16:creationId xmlns:a16="http://schemas.microsoft.com/office/drawing/2014/main" id="{FA5B5ACC-7854-4253-8779-B6500D6C8B42}"/>
+              </a:ext>
+            </a:extLst>
+          </p:cNvPr>
+          <p:cNvPicPr>
+            <a:picLocks noChangeAspect="1"/>
+          </p:cNvPicPr>
+          <p:nvPr/>
+        </p:nvPicPr>
+        <p:blipFill rotWithShape="1">
+          <a:blip r:embed="rId3">
+            <a:extLst>
+              <a:ext uri="{28A0092B-C50C-407E-A947-70E740481C1C}">
+                <a14:useLocalDpi xmlns:a14="http://schemas.microsoft.com/office/drawing/2010/main" val="0"/>
+              </a:ext>
+            </a:extLst>
+          </a:blip>
+          <a:srcRect l="2688" r="61525" b="1127"/>
+          <a:stretch/>
+        </p:blipFill>
+        <p:spPr>
+          <a:xfrm>
+            <a:off x="3382824" y="2191530"/>
+            <a:ext cx="6089167" cy="889599"/>
+          </a:xfrm>
+          <a:prstGeom prst="rect">
+            <a:avLst/>
+          </a:prstGeom>
+        </p:spPr>
+      </p:pic>
+      <p:sp>
+        <p:nvSpPr>
+          <p:cNvPr id="12" name="CasellaDiTesto 11">
+            <a:extLst>
+              <a:ext uri="{FF2B5EF4-FFF2-40B4-BE49-F238E27FC236}">
+                <a16:creationId xmlns:a16="http://schemas.microsoft.com/office/drawing/2014/main" id="{D820FFD3-EACA-4E56-9181-F0E00CFBA486}"/>
+              </a:ext>
+            </a:extLst>
+          </p:cNvPr>
+          <p:cNvSpPr txBox="1"/>
+          <p:nvPr/>
+        </p:nvSpPr>
+        <p:spPr>
+          <a:xfrm>
+            <a:off x="2147865" y="2483249"/>
+            <a:ext cx="1539551" cy="369332"/>
+          </a:xfrm>
+          <a:prstGeom prst="rect">
+            <a:avLst/>
+          </a:prstGeom>
+          <a:noFill/>
+        </p:spPr>
+        <p:txBody>
+          <a:bodyPr wrap="square" rtlCol="0">
+            <a:spAutoFit/>
+          </a:bodyPr>
           <a:lstStyle/>
           <a:p>
             <a:r>
@@ -6412,9 +7052,38 @@
                   <a:schemeClr val="bg1"/>
                 </a:solidFill>
               </a:rPr>
-              <a:t>Sviluppo di una libreria propria </a:t>
-            </a:r>
-          </a:p>
+              <a:t>Preventivo</a:t>
+            </a:r>
+          </a:p>
+        </p:txBody>
+      </p:sp>
+      <p:sp>
+        <p:nvSpPr>
+          <p:cNvPr id="13" name="CasellaDiTesto 12">
+            <a:extLst>
+              <a:ext uri="{FF2B5EF4-FFF2-40B4-BE49-F238E27FC236}">
+                <a16:creationId xmlns:a16="http://schemas.microsoft.com/office/drawing/2014/main" id="{CB03F18A-B509-4148-AAD1-B157C8502193}"/>
+              </a:ext>
+            </a:extLst>
+          </p:cNvPr>
+          <p:cNvSpPr txBox="1"/>
+          <p:nvPr/>
+        </p:nvSpPr>
+        <p:spPr>
+          <a:xfrm>
+            <a:off x="2072219" y="4534214"/>
+            <a:ext cx="1539551" cy="369332"/>
+          </a:xfrm>
+          <a:prstGeom prst="rect">
+            <a:avLst/>
+          </a:prstGeom>
+          <a:noFill/>
+        </p:spPr>
+        <p:txBody>
+          <a:bodyPr wrap="square" rtlCol="0">
+            <a:spAutoFit/>
+          </a:bodyPr>
+          <a:lstStyle/>
           <a:p>
             <a:r>
               <a:rPr lang="it-CH" dirty="0">
@@ -6422,17 +7091,7 @@
                   <a:schemeClr val="bg1"/>
                 </a:solidFill>
               </a:rPr>
-              <a:t>Aggiunta di dettagli </a:t>
-            </a:r>
-          </a:p>
-          <a:p>
-            <a:r>
-              <a:rPr lang="it-CH" dirty="0">
-                <a:solidFill>
-                  <a:schemeClr val="bg1"/>
-                </a:solidFill>
-              </a:rPr>
-              <a:t>Convertirlo a sito online</a:t>
+              <a:t>Consuntivo</a:t>
             </a:r>
           </a:p>
         </p:txBody>
@@ -6440,7 +7099,7 @@
     </p:spTree>
     <p:extLst>
       <p:ext uri="{BB962C8B-B14F-4D97-AF65-F5344CB8AC3E}">
-        <p14:creationId xmlns:p14="http://schemas.microsoft.com/office/powerpoint/2010/main" val="563581778"/>
+        <p14:creationId xmlns:p14="http://schemas.microsoft.com/office/powerpoint/2010/main" val="2933601493"/>
       </p:ext>
     </p:extLst>
   </p:cSld>
@@ -6585,9 +7244,161 @@
             <p:ph idx="1"/>
           </p:nvPr>
         </p:nvSpPr>
+        <p:spPr/>
+        <p:txBody>
+          <a:bodyPr/>
+          <a:lstStyle/>
+          <a:p>
+            <a:r>
+              <a:rPr lang="it-CH" dirty="0">
+                <a:solidFill>
+                  <a:schemeClr val="bg1"/>
+                </a:solidFill>
+              </a:rPr>
+              <a:t>Sviluppo di una libreria propria </a:t>
+            </a:r>
+          </a:p>
+          <a:p>
+            <a:r>
+              <a:rPr lang="it-CH" dirty="0">
+                <a:solidFill>
+                  <a:schemeClr val="bg1"/>
+                </a:solidFill>
+              </a:rPr>
+              <a:t>Aggiunta di dettagli </a:t>
+            </a:r>
+          </a:p>
+          <a:p>
+            <a:r>
+              <a:rPr lang="it-CH" dirty="0">
+                <a:solidFill>
+                  <a:schemeClr val="bg1"/>
+                </a:solidFill>
+              </a:rPr>
+              <a:t>Convertirlo a sito online</a:t>
+            </a:r>
+          </a:p>
+        </p:txBody>
+      </p:sp>
+    </p:spTree>
+    <p:extLst>
+      <p:ext uri="{BB962C8B-B14F-4D97-AF65-F5344CB8AC3E}">
+        <p14:creationId xmlns:p14="http://schemas.microsoft.com/office/powerpoint/2010/main" val="563581778"/>
+      </p:ext>
+    </p:extLst>
+  </p:cSld>
+  <p:clrMapOvr>
+    <a:masterClrMapping/>
+  </p:clrMapOvr>
+</p:sld>
+</file>
+
+<file path=ppt/slides/slide23.xml><?xml version="1.0" encoding="utf-8"?>
+<p:sld xmlns:a="http://schemas.openxmlformats.org/drawingml/2006/main" xmlns:r="http://schemas.openxmlformats.org/officeDocument/2006/relationships" xmlns:p="http://schemas.openxmlformats.org/presentationml/2006/main">
+  <p:cSld>
+    <p:spTree>
+      <p:nvGrpSpPr>
+        <p:cNvPr id="1" name=""/>
+        <p:cNvGrpSpPr/>
+        <p:nvPr/>
+      </p:nvGrpSpPr>
+      <p:grpSpPr>
+        <a:xfrm>
+          <a:off x="0" y="0"/>
+          <a:ext cx="0" cy="0"/>
+          <a:chOff x="0" y="0"/>
+          <a:chExt cx="0" cy="0"/>
+        </a:xfrm>
+      </p:grpSpPr>
+      <p:pic>
+        <p:nvPicPr>
+          <p:cNvPr id="5" name="Immagine 4">
+            <a:extLst>
+              <a:ext uri="{FF2B5EF4-FFF2-40B4-BE49-F238E27FC236}">
+                <a16:creationId xmlns:a16="http://schemas.microsoft.com/office/drawing/2014/main" id="{461319AA-4B9D-4C4A-A282-F10BB60483BC}"/>
+              </a:ext>
+            </a:extLst>
+          </p:cNvPr>
+          <p:cNvPicPr>
+            <a:picLocks noChangeAspect="1"/>
+          </p:cNvPicPr>
+          <p:nvPr/>
+        </p:nvPicPr>
+        <p:blipFill rotWithShape="1">
+          <a:blip r:embed="rId2">
+            <a:extLst>
+              <a:ext uri="{28A0092B-C50C-407E-A947-70E740481C1C}">
+                <a14:useLocalDpi xmlns:a14="http://schemas.microsoft.com/office/drawing/2010/main" val="0"/>
+              </a:ext>
+            </a:extLst>
+          </a:blip>
+          <a:srcRect l="55393" r="-35699"/>
+          <a:stretch/>
+        </p:blipFill>
+        <p:spPr>
+          <a:xfrm flipH="1">
+            <a:off x="4864100" y="0"/>
+            <a:ext cx="7327900" cy="6858000"/>
+          </a:xfrm>
+          <a:prstGeom prst="rect">
+            <a:avLst/>
+          </a:prstGeom>
+        </p:spPr>
+      </p:pic>
+      <p:pic>
+        <p:nvPicPr>
+          <p:cNvPr id="4" name="Immagine 3">
+            <a:extLst>
+              <a:ext uri="{FF2B5EF4-FFF2-40B4-BE49-F238E27FC236}">
+                <a16:creationId xmlns:a16="http://schemas.microsoft.com/office/drawing/2014/main" id="{FB8E5214-8C1B-4F93-A824-E52DEEA84C06}"/>
+              </a:ext>
+            </a:extLst>
+          </p:cNvPr>
+          <p:cNvPicPr>
+            <a:picLocks noChangeAspect="1"/>
+          </p:cNvPicPr>
+          <p:nvPr/>
+        </p:nvPicPr>
+        <p:blipFill rotWithShape="1">
+          <a:blip r:embed="rId2">
+            <a:extLst>
+              <a:ext uri="{28A0092B-C50C-407E-A947-70E740481C1C}">
+                <a14:useLocalDpi xmlns:a14="http://schemas.microsoft.com/office/drawing/2010/main" val="0"/>
+              </a:ext>
+            </a:extLst>
+          </a:blip>
+          <a:srcRect l="10995"/>
+          <a:stretch/>
+        </p:blipFill>
         <p:spPr>
           <a:xfrm>
-            <a:off x="1272208" y="3568148"/>
+            <a:off x="0" y="0"/>
+            <a:ext cx="8121618" cy="6858000"/>
+          </a:xfrm>
+          <a:prstGeom prst="rect">
+            <a:avLst/>
+          </a:prstGeom>
+        </p:spPr>
+      </p:pic>
+      <p:sp>
+        <p:nvSpPr>
+          <p:cNvPr id="6" name="Segnaposto contenuto 5">
+            <a:extLst>
+              <a:ext uri="{FF2B5EF4-FFF2-40B4-BE49-F238E27FC236}">
+                <a16:creationId xmlns:a16="http://schemas.microsoft.com/office/drawing/2014/main" id="{F59A7324-36ED-472F-96F5-4E01AA6CBE14}"/>
+              </a:ext>
+            </a:extLst>
+          </p:cNvPr>
+          <p:cNvSpPr>
+            <a:spLocks noGrp="1"/>
+          </p:cNvSpPr>
+          <p:nvPr>
+            <p:ph idx="1"/>
+          </p:nvPr>
+        </p:nvSpPr>
+        <p:spPr>
+          <a:xfrm>
+            <a:off x="1363317" y="2986257"/>
             <a:ext cx="9465365" cy="1828800"/>
           </a:xfrm>
         </p:spPr>
@@ -7007,15 +7818,17 @@
                   <a:schemeClr val="bg1"/>
                 </a:solidFill>
               </a:rPr>
-              <a:t>Creare una nostra versione di </a:t>
-            </a:r>
+              <a:t>Python3 (versione 3.8)</a:t>
+            </a:r>
+          </a:p>
+          <a:p>
             <a:r>
               <a:rPr lang="it-CH" dirty="0" err="1">
                 <a:solidFill>
                   <a:schemeClr val="bg1"/>
                 </a:solidFill>
               </a:rPr>
-              <a:t>asteroid</a:t>
+              <a:t>Pygame</a:t>
             </a:r>
             <a:r>
               <a:rPr lang="it-CH" dirty="0">
@@ -7023,8 +7836,39 @@
                   <a:schemeClr val="bg1"/>
                 </a:solidFill>
               </a:rPr>
-              <a:t> </a:t>
-            </a:r>
+              <a:t> (versione 2.0)</a:t>
+            </a:r>
+          </a:p>
+          <a:p>
+            <a:r>
+              <a:rPr lang="it-CH" dirty="0" err="1">
+                <a:solidFill>
+                  <a:schemeClr val="bg1"/>
+                </a:solidFill>
+              </a:rPr>
+              <a:t>GazeTraking</a:t>
+            </a:r>
+            <a:endParaRPr lang="it-CH" dirty="0">
+              <a:solidFill>
+                <a:schemeClr val="bg1"/>
+              </a:solidFill>
+            </a:endParaRPr>
+          </a:p>
+          <a:p>
+            <a:pPr lvl="1"/>
+            <a:r>
+              <a:rPr lang="it-CH" dirty="0" err="1">
+                <a:solidFill>
+                  <a:schemeClr val="bg1"/>
+                </a:solidFill>
+              </a:rPr>
+              <a:t>OpenCV</a:t>
+            </a:r>
+            <a:endParaRPr lang="it-CH" dirty="0">
+              <a:solidFill>
+                <a:schemeClr val="bg1"/>
+              </a:solidFill>
+            </a:endParaRPr>
           </a:p>
           <a:p>
             <a:r>
@@ -7033,17 +7877,7 @@
                   <a:schemeClr val="bg1"/>
                 </a:solidFill>
               </a:rPr>
-              <a:t>Che il gioco sia giocabile con gli occhi</a:t>
-            </a:r>
-          </a:p>
-          <a:p>
-            <a:r>
-              <a:rPr lang="it-CH" dirty="0">
-                <a:solidFill>
-                  <a:schemeClr val="bg1"/>
-                </a:solidFill>
-              </a:rPr>
-              <a:t>Lavoro di gruppo</a:t>
+              <a:t>Webcam</a:t>
             </a:r>
           </a:p>
           <a:p>
@@ -8212,4 +9046,299 @@
     </a:ext>
   </a:extLst>
 </a:theme>
+</file>
+
+<file path=ppt/theme/theme2.xml><?xml version="1.0" encoding="utf-8"?>
+<a:theme xmlns:a="http://schemas.openxmlformats.org/drawingml/2006/main" name="Tema di Office">
+  <a:themeElements>
+    <a:clrScheme name="Office">
+      <a:dk1>
+        <a:sysClr val="windowText" lastClr="000000"/>
+      </a:dk1>
+      <a:lt1>
+        <a:sysClr val="window" lastClr="FFFFFF"/>
+      </a:lt1>
+      <a:dk2>
+        <a:srgbClr val="44546A"/>
+      </a:dk2>
+      <a:lt2>
+        <a:srgbClr val="E7E6E6"/>
+      </a:lt2>
+      <a:accent1>
+        <a:srgbClr val="4472C4"/>
+      </a:accent1>
+      <a:accent2>
+        <a:srgbClr val="ED7D31"/>
+      </a:accent2>
+      <a:accent3>
+        <a:srgbClr val="A5A5A5"/>
+      </a:accent3>
+      <a:accent4>
+        <a:srgbClr val="FFC000"/>
+      </a:accent4>
+      <a:accent5>
+        <a:srgbClr val="5B9BD5"/>
+      </a:accent5>
+      <a:accent6>
+        <a:srgbClr val="70AD47"/>
+      </a:accent6>
+      <a:hlink>
+        <a:srgbClr val="0563C1"/>
+      </a:hlink>
+      <a:folHlink>
+        <a:srgbClr val="954F72"/>
+      </a:folHlink>
+    </a:clrScheme>
+    <a:fontScheme name="Office">
+      <a:majorFont>
+        <a:latin typeface="Calibri Light" panose="020F0302020204030204"/>
+        <a:ea typeface=""/>
+        <a:cs typeface=""/>
+        <a:font script="Jpan" typeface="游ゴシック Light"/>
+        <a:font script="Hang" typeface="맑은 고딕"/>
+        <a:font script="Hans" typeface="等线 Light"/>
+        <a:font script="Hant" typeface="新細明體"/>
+        <a:font script="Arab" typeface="Times New Roman"/>
+        <a:font script="Hebr" typeface="Times New Roman"/>
+        <a:font script="Thai" typeface="Angsana New"/>
+        <a:font script="Ethi" typeface="Nyala"/>
+        <a:font script="Beng" typeface="Vrinda"/>
+        <a:font script="Gujr" typeface="Shruti"/>
+        <a:font script="Khmr" typeface="MoolBoran"/>
+        <a:font script="Knda" typeface="Tunga"/>
+        <a:font script="Guru" typeface="Raavi"/>
+        <a:font script="Cans" typeface="Euphemia"/>
+        <a:font script="Cher" typeface="Plantagenet Cherokee"/>
+        <a:font script="Yiii" typeface="Microsoft Yi Baiti"/>
+        <a:font script="Tibt" typeface="Microsoft Himalaya"/>
+        <a:font script="Thaa" typeface="MV Boli"/>
+        <a:font script="Deva" typeface="Mangal"/>
+        <a:font script="Telu" typeface="Gautami"/>
+        <a:font script="Taml" typeface="Latha"/>
+        <a:font script="Syrc" typeface="Estrangelo Edessa"/>
+        <a:font script="Orya" typeface="Kalinga"/>
+        <a:font script="Mlym" typeface="Kartika"/>
+        <a:font script="Laoo" typeface="DokChampa"/>
+        <a:font script="Sinh" typeface="Iskoola Pota"/>
+        <a:font script="Mong" typeface="Mongolian Baiti"/>
+        <a:font script="Viet" typeface="Times New Roman"/>
+        <a:font script="Uigh" typeface="Microsoft Uighur"/>
+        <a:font script="Geor" typeface="Sylfaen"/>
+        <a:font script="Armn" typeface="Arial"/>
+        <a:font script="Bugi" typeface="Leelawadee UI"/>
+        <a:font script="Bopo" typeface="Microsoft JhengHei"/>
+        <a:font script="Java" typeface="Javanese Text"/>
+        <a:font script="Lisu" typeface="Segoe UI"/>
+        <a:font script="Mymr" typeface="Myanmar Text"/>
+        <a:font script="Nkoo" typeface="Ebrima"/>
+        <a:font script="Olck" typeface="Nirmala UI"/>
+        <a:font script="Osma" typeface="Ebrima"/>
+        <a:font script="Phag" typeface="Phagspa"/>
+        <a:font script="Syrn" typeface="Estrangelo Edessa"/>
+        <a:font script="Syrj" typeface="Estrangelo Edessa"/>
+        <a:font script="Syre" typeface="Estrangelo Edessa"/>
+        <a:font script="Sora" typeface="Nirmala UI"/>
+        <a:font script="Tale" typeface="Microsoft Tai Le"/>
+        <a:font script="Talu" typeface="Microsoft New Tai Lue"/>
+        <a:font script="Tfng" typeface="Ebrima"/>
+      </a:majorFont>
+      <a:minorFont>
+        <a:latin typeface="Calibri" panose="020F0502020204030204"/>
+        <a:ea typeface=""/>
+        <a:cs typeface=""/>
+        <a:font script="Jpan" typeface="游ゴシック"/>
+        <a:font script="Hang" typeface="맑은 고딕"/>
+        <a:font script="Hans" typeface="等线"/>
+        <a:font script="Hant" typeface="新細明體"/>
+        <a:font script="Arab" typeface="Arial"/>
+        <a:font script="Hebr" typeface="Arial"/>
+        <a:font script="Thai" typeface="Cordia New"/>
+        <a:font script="Ethi" typeface="Nyala"/>
+        <a:font script="Beng" typeface="Vrinda"/>
+        <a:font script="Gujr" typeface="Shruti"/>
+        <a:font script="Khmr" typeface="DaunPenh"/>
+        <a:font script="Knda" typeface="Tunga"/>
+        <a:font script="Guru" typeface="Raavi"/>
+        <a:font script="Cans" typeface="Euphemia"/>
+        <a:font script="Cher" typeface="Plantagenet Cherokee"/>
+        <a:font script="Yiii" typeface="Microsoft Yi Baiti"/>
+        <a:font script="Tibt" typeface="Microsoft Himalaya"/>
+        <a:font script="Thaa" typeface="MV Boli"/>
+        <a:font script="Deva" typeface="Mangal"/>
+        <a:font script="Telu" typeface="Gautami"/>
+        <a:font script="Taml" typeface="Latha"/>
+        <a:font script="Syrc" typeface="Estrangelo Edessa"/>
+        <a:font script="Orya" typeface="Kalinga"/>
+        <a:font script="Mlym" typeface="Kartika"/>
+        <a:font script="Laoo" typeface="DokChampa"/>
+        <a:font script="Sinh" typeface="Iskoola Pota"/>
+        <a:font script="Mong" typeface="Mongolian Baiti"/>
+        <a:font script="Viet" typeface="Arial"/>
+        <a:font script="Uigh" typeface="Microsoft Uighur"/>
+        <a:font script="Geor" typeface="Sylfaen"/>
+        <a:font script="Armn" typeface="Arial"/>
+        <a:font script="Bugi" typeface="Leelawadee UI"/>
+        <a:font script="Bopo" typeface="Microsoft JhengHei"/>
+        <a:font script="Java" typeface="Javanese Text"/>
+        <a:font script="Lisu" typeface="Segoe UI"/>
+        <a:font script="Mymr" typeface="Myanmar Text"/>
+        <a:font script="Nkoo" typeface="Ebrima"/>
+        <a:font script="Olck" typeface="Nirmala UI"/>
+        <a:font script="Osma" typeface="Ebrima"/>
+        <a:font script="Phag" typeface="Phagspa"/>
+        <a:font script="Syrn" typeface="Estrangelo Edessa"/>
+        <a:font script="Syrj" typeface="Estrangelo Edessa"/>
+        <a:font script="Syre" typeface="Estrangelo Edessa"/>
+        <a:font script="Sora" typeface="Nirmala UI"/>
+        <a:font script="Tale" typeface="Microsoft Tai Le"/>
+        <a:font script="Talu" typeface="Microsoft New Tai Lue"/>
+        <a:font script="Tfng" typeface="Ebrima"/>
+      </a:minorFont>
+    </a:fontScheme>
+    <a:fmtScheme name="Office">
+      <a:fillStyleLst>
+        <a:solidFill>
+          <a:schemeClr val="phClr"/>
+        </a:solidFill>
+        <a:gradFill rotWithShape="1">
+          <a:gsLst>
+            <a:gs pos="0">
+              <a:schemeClr val="phClr">
+                <a:lumMod val="110000"/>
+                <a:satMod val="105000"/>
+                <a:tint val="67000"/>
+              </a:schemeClr>
+            </a:gs>
+            <a:gs pos="50000">
+              <a:schemeClr val="phClr">
+                <a:lumMod val="105000"/>
+                <a:satMod val="103000"/>
+                <a:tint val="73000"/>
+              </a:schemeClr>
+            </a:gs>
+            <a:gs pos="100000">
+              <a:schemeClr val="phClr">
+                <a:lumMod val="105000"/>
+                <a:satMod val="109000"/>
+                <a:tint val="81000"/>
+              </a:schemeClr>
+            </a:gs>
+          </a:gsLst>
+          <a:lin ang="5400000" scaled="0"/>
+        </a:gradFill>
+        <a:gradFill rotWithShape="1">
+          <a:gsLst>
+            <a:gs pos="0">
+              <a:schemeClr val="phClr">
+                <a:satMod val="103000"/>
+                <a:lumMod val="102000"/>
+                <a:tint val="94000"/>
+              </a:schemeClr>
+            </a:gs>
+            <a:gs pos="50000">
+              <a:schemeClr val="phClr">
+                <a:satMod val="110000"/>
+                <a:lumMod val="100000"/>
+                <a:shade val="100000"/>
+              </a:schemeClr>
+            </a:gs>
+            <a:gs pos="100000">
+              <a:schemeClr val="phClr">
+                <a:lumMod val="99000"/>
+                <a:satMod val="120000"/>
+                <a:shade val="78000"/>
+              </a:schemeClr>
+            </a:gs>
+          </a:gsLst>
+          <a:lin ang="5400000" scaled="0"/>
+        </a:gradFill>
+      </a:fillStyleLst>
+      <a:lnStyleLst>
+        <a:ln w="6350" cap="flat" cmpd="sng" algn="ctr">
+          <a:solidFill>
+            <a:schemeClr val="phClr"/>
+          </a:solidFill>
+          <a:prstDash val="solid"/>
+          <a:miter lim="800000"/>
+        </a:ln>
+        <a:ln w="12700" cap="flat" cmpd="sng" algn="ctr">
+          <a:solidFill>
+            <a:schemeClr val="phClr"/>
+          </a:solidFill>
+          <a:prstDash val="solid"/>
+          <a:miter lim="800000"/>
+        </a:ln>
+        <a:ln w="19050" cap="flat" cmpd="sng" algn="ctr">
+          <a:solidFill>
+            <a:schemeClr val="phClr"/>
+          </a:solidFill>
+          <a:prstDash val="solid"/>
+          <a:miter lim="800000"/>
+        </a:ln>
+      </a:lnStyleLst>
+      <a:effectStyleLst>
+        <a:effectStyle>
+          <a:effectLst/>
+        </a:effectStyle>
+        <a:effectStyle>
+          <a:effectLst/>
+        </a:effectStyle>
+        <a:effectStyle>
+          <a:effectLst>
+            <a:outerShdw blurRad="57150" dist="19050" dir="5400000" algn="ctr" rotWithShape="0">
+              <a:srgbClr val="000000">
+                <a:alpha val="63000"/>
+              </a:srgbClr>
+            </a:outerShdw>
+          </a:effectLst>
+        </a:effectStyle>
+      </a:effectStyleLst>
+      <a:bgFillStyleLst>
+        <a:solidFill>
+          <a:schemeClr val="phClr"/>
+        </a:solidFill>
+        <a:solidFill>
+          <a:schemeClr val="phClr">
+            <a:tint val="95000"/>
+            <a:satMod val="170000"/>
+          </a:schemeClr>
+        </a:solidFill>
+        <a:gradFill rotWithShape="1">
+          <a:gsLst>
+            <a:gs pos="0">
+              <a:schemeClr val="phClr">
+                <a:tint val="93000"/>
+                <a:satMod val="150000"/>
+                <a:shade val="98000"/>
+                <a:lumMod val="102000"/>
+              </a:schemeClr>
+            </a:gs>
+            <a:gs pos="50000">
+              <a:schemeClr val="phClr">
+                <a:tint val="98000"/>
+                <a:satMod val="130000"/>
+                <a:shade val="90000"/>
+                <a:lumMod val="103000"/>
+              </a:schemeClr>
+            </a:gs>
+            <a:gs pos="100000">
+              <a:schemeClr val="phClr">
+                <a:shade val="63000"/>
+                <a:satMod val="120000"/>
+              </a:schemeClr>
+            </a:gs>
+          </a:gsLst>
+          <a:lin ang="5400000" scaled="0"/>
+        </a:gradFill>
+      </a:bgFillStyleLst>
+    </a:fmtScheme>
+  </a:themeElements>
+  <a:objectDefaults/>
+  <a:extraClrSchemeLst/>
+  <a:extLst>
+    <a:ext uri="{05A4C25C-085E-4340-85A3-A5531E510DB2}">
+      <thm15:themeFamily xmlns:thm15="http://schemas.microsoft.com/office/thememl/2012/main" name="Office Theme" id="{62F939B6-93AF-4DB8-9C6B-D6C7DFDC589F}" vid="{4A3C46E8-61CC-4603-A589-7422A47A8E4A}"/>
+    </a:ext>
+  </a:extLst>
+</a:theme>
 </file>
--- a/Documenti/Presentazione_EyeAsteroids.pptx
+++ b/Documenti/Presentazione_EyeAsteroids.pptx
@@ -6463,7 +6463,7 @@
                   <a:schemeClr val="bg1"/>
                 </a:solidFill>
               </a:rPr>
-              <a:t>Packages</a:t>
+              <a:t>Struttura cartelle</a:t>
             </a:r>
           </a:p>
           <a:p>

--- a/Documenti/Presentazione_EyeAsteroids.pptx
+++ b/Documenti/Presentazione_EyeAsteroids.pptx
@@ -219,7 +219,7 @@
           <a:p>
             <a:fld id="{EC0F769F-07F7-471F-8E77-7C047A056AAD}" type="datetimeFigureOut">
               <a:rPr lang="it-CH" smtClean="0"/>
-              <a:t>10.05.2022</a:t>
+              <a:t>11.05.2022</a:t>
             </a:fld>
             <a:endParaRPr lang="it-CH"/>
           </a:p>
@@ -781,7 +781,7 @@
           <a:p>
             <a:fld id="{FBB4D19A-75DC-4ACF-8239-F525F444714E}" type="datetimeFigureOut">
               <a:rPr lang="it-CH" smtClean="0"/>
-              <a:t>10.05.2022</a:t>
+              <a:t>11.05.2022</a:t>
             </a:fld>
             <a:endParaRPr lang="it-CH"/>
           </a:p>
@@ -981,7 +981,7 @@
           <a:p>
             <a:fld id="{FBB4D19A-75DC-4ACF-8239-F525F444714E}" type="datetimeFigureOut">
               <a:rPr lang="it-CH" smtClean="0"/>
-              <a:t>10.05.2022</a:t>
+              <a:t>11.05.2022</a:t>
             </a:fld>
             <a:endParaRPr lang="it-CH"/>
           </a:p>
@@ -1191,7 +1191,7 @@
           <a:p>
             <a:fld id="{FBB4D19A-75DC-4ACF-8239-F525F444714E}" type="datetimeFigureOut">
               <a:rPr lang="it-CH" smtClean="0"/>
-              <a:t>10.05.2022</a:t>
+              <a:t>11.05.2022</a:t>
             </a:fld>
             <a:endParaRPr lang="it-CH"/>
           </a:p>
@@ -1391,7 +1391,7 @@
           <a:p>
             <a:fld id="{FBB4D19A-75DC-4ACF-8239-F525F444714E}" type="datetimeFigureOut">
               <a:rPr lang="it-CH" smtClean="0"/>
-              <a:t>10.05.2022</a:t>
+              <a:t>11.05.2022</a:t>
             </a:fld>
             <a:endParaRPr lang="it-CH"/>
           </a:p>
@@ -1667,7 +1667,7 @@
           <a:p>
             <a:fld id="{FBB4D19A-75DC-4ACF-8239-F525F444714E}" type="datetimeFigureOut">
               <a:rPr lang="it-CH" smtClean="0"/>
-              <a:t>10.05.2022</a:t>
+              <a:t>11.05.2022</a:t>
             </a:fld>
             <a:endParaRPr lang="it-CH"/>
           </a:p>
@@ -1935,7 +1935,7 @@
           <a:p>
             <a:fld id="{FBB4D19A-75DC-4ACF-8239-F525F444714E}" type="datetimeFigureOut">
               <a:rPr lang="it-CH" smtClean="0"/>
-              <a:t>10.05.2022</a:t>
+              <a:t>11.05.2022</a:t>
             </a:fld>
             <a:endParaRPr lang="it-CH"/>
           </a:p>
@@ -2350,7 +2350,7 @@
           <a:p>
             <a:fld id="{FBB4D19A-75DC-4ACF-8239-F525F444714E}" type="datetimeFigureOut">
               <a:rPr lang="it-CH" smtClean="0"/>
-              <a:t>10.05.2022</a:t>
+              <a:t>11.05.2022</a:t>
             </a:fld>
             <a:endParaRPr lang="it-CH"/>
           </a:p>
@@ -2492,7 +2492,7 @@
           <a:p>
             <a:fld id="{FBB4D19A-75DC-4ACF-8239-F525F444714E}" type="datetimeFigureOut">
               <a:rPr lang="it-CH" smtClean="0"/>
-              <a:t>10.05.2022</a:t>
+              <a:t>11.05.2022</a:t>
             </a:fld>
             <a:endParaRPr lang="it-CH"/>
           </a:p>
@@ -2605,7 +2605,7 @@
           <a:p>
             <a:fld id="{FBB4D19A-75DC-4ACF-8239-F525F444714E}" type="datetimeFigureOut">
               <a:rPr lang="it-CH" smtClean="0"/>
-              <a:t>10.05.2022</a:t>
+              <a:t>11.05.2022</a:t>
             </a:fld>
             <a:endParaRPr lang="it-CH"/>
           </a:p>
@@ -2918,7 +2918,7 @@
           <a:p>
             <a:fld id="{FBB4D19A-75DC-4ACF-8239-F525F444714E}" type="datetimeFigureOut">
               <a:rPr lang="it-CH" smtClean="0"/>
-              <a:t>10.05.2022</a:t>
+              <a:t>11.05.2022</a:t>
             </a:fld>
             <a:endParaRPr lang="it-CH"/>
           </a:p>
@@ -3207,7 +3207,7 @@
           <a:p>
             <a:fld id="{FBB4D19A-75DC-4ACF-8239-F525F444714E}" type="datetimeFigureOut">
               <a:rPr lang="it-CH" smtClean="0"/>
-              <a:t>10.05.2022</a:t>
+              <a:t>11.05.2022</a:t>
             </a:fld>
             <a:endParaRPr lang="it-CH"/>
           </a:p>
@@ -3450,7 +3450,7 @@
           <a:p>
             <a:fld id="{FBB4D19A-75DC-4ACF-8239-F525F444714E}" type="datetimeFigureOut">
               <a:rPr lang="it-CH" smtClean="0"/>
-              <a:t>10.05.2022</a:t>
+              <a:t>11.05.2022</a:t>
             </a:fld>
             <a:endParaRPr lang="it-CH"/>
           </a:p>
@@ -3869,10 +3869,10 @@
       </p:grpSpPr>
       <p:pic>
         <p:nvPicPr>
-          <p:cNvPr id="5" name="Immagine 4">
-            <a:extLst>
-              <a:ext uri="{FF2B5EF4-FFF2-40B4-BE49-F238E27FC236}">
-                <a16:creationId xmlns:a16="http://schemas.microsoft.com/office/drawing/2014/main" id="{E2F58EAB-F822-42D2-817D-50903B29B818}"/>
+          <p:cNvPr id="11" name="Immagine 10">
+            <a:extLst>
+              <a:ext uri="{FF2B5EF4-FFF2-40B4-BE49-F238E27FC236}">
+                <a16:creationId xmlns:a16="http://schemas.microsoft.com/office/drawing/2014/main" id="{4951F5D8-D716-B0F5-FA36-BA92F58C30DD}"/>
               </a:ext>
             </a:extLst>
           </p:cNvPr>
@@ -3881,7 +3881,7 @@
           </p:cNvPicPr>
           <p:nvPr/>
         </p:nvPicPr>
-        <p:blipFill rotWithShape="1">
+        <p:blipFill>
           <a:blip r:embed="rId2">
             <a:extLst>
               <a:ext uri="{28A0092B-C50C-407E-A947-70E740481C1C}">
@@ -3889,54 +3889,94 @@
               </a:ext>
             </a:extLst>
           </a:blip>
-          <a:srcRect l="10995"/>
-          <a:stretch/>
+          <a:stretch>
+            <a:fillRect/>
+          </a:stretch>
         </p:blipFill>
         <p:spPr>
           <a:xfrm>
-            <a:off x="-1" y="0"/>
-            <a:ext cx="8170877" cy="6858000"/>
+            <a:off x="0" y="0"/>
+            <a:ext cx="12192000" cy="6858000"/>
           </a:xfrm>
           <a:prstGeom prst="rect">
             <a:avLst/>
           </a:prstGeom>
         </p:spPr>
       </p:pic>
-      <p:pic>
-        <p:nvPicPr>
-          <p:cNvPr id="6" name="Immagine 5">
-            <a:extLst>
-              <a:ext uri="{FF2B5EF4-FFF2-40B4-BE49-F238E27FC236}">
-                <a16:creationId xmlns:a16="http://schemas.microsoft.com/office/drawing/2014/main" id="{032EFB02-A9AE-461B-B065-ABE8B9844E40}"/>
-              </a:ext>
-            </a:extLst>
-          </p:cNvPr>
-          <p:cNvPicPr>
-            <a:picLocks noChangeAspect="1"/>
-          </p:cNvPicPr>
-          <p:nvPr/>
-        </p:nvPicPr>
-        <p:blipFill rotWithShape="1">
-          <a:blip r:embed="rId2">
-            <a:extLst>
-              <a:ext uri="{28A0092B-C50C-407E-A947-70E740481C1C}">
-                <a14:useLocalDpi xmlns:a14="http://schemas.microsoft.com/office/drawing/2010/main" val="0"/>
-              </a:ext>
-            </a:extLst>
-          </a:blip>
-          <a:srcRect l="55393" r="-35699"/>
-          <a:stretch/>
-        </p:blipFill>
-        <p:spPr>
-          <a:xfrm flipH="1">
-            <a:off x="4864100" y="0"/>
-            <a:ext cx="7327900" cy="6858000"/>
-          </a:xfrm>
-          <a:prstGeom prst="rect">
-            <a:avLst/>
-          </a:prstGeom>
-        </p:spPr>
-      </p:pic>
+      <p:sp>
+        <p:nvSpPr>
+          <p:cNvPr id="3" name="Sottotitolo 2">
+            <a:extLst>
+              <a:ext uri="{FF2B5EF4-FFF2-40B4-BE49-F238E27FC236}">
+                <a16:creationId xmlns:a16="http://schemas.microsoft.com/office/drawing/2014/main" id="{16F60309-FE01-4199-B30D-86DF08EF4A0D}"/>
+              </a:ext>
+            </a:extLst>
+          </p:cNvPr>
+          <p:cNvSpPr>
+            <a:spLocks noGrp="1"/>
+          </p:cNvSpPr>
+          <p:nvPr>
+            <p:ph type="subTitle" idx="1"/>
+          </p:nvPr>
+        </p:nvSpPr>
+        <p:spPr>
+          <a:xfrm>
+            <a:off x="1812235" y="3350937"/>
+            <a:ext cx="9144000" cy="1655762"/>
+          </a:xfrm>
+        </p:spPr>
+        <p:txBody>
+          <a:bodyPr/>
+          <a:lstStyle/>
+          <a:p>
+            <a:r>
+              <a:rPr lang="it-CH" b="1" dirty="0">
+                <a:solidFill>
+                  <a:schemeClr val="bg1"/>
+                </a:solidFill>
+              </a:rPr>
+              <a:t>Alessandro Aloise,</a:t>
+            </a:r>
+            <a:r>
+              <a:rPr lang="it-CH" dirty="0">
+                <a:solidFill>
+                  <a:schemeClr val="bg1"/>
+                </a:solidFill>
+              </a:rPr>
+              <a:t> </a:t>
+            </a:r>
+            <a:r>
+              <a:rPr lang="it-CH" b="1" dirty="0">
+                <a:solidFill>
+                  <a:schemeClr val="bg1"/>
+                </a:solidFill>
+              </a:rPr>
+              <a:t>Mattia Pasquini,</a:t>
+            </a:r>
+            <a:r>
+              <a:rPr lang="it-CH" dirty="0">
+                <a:solidFill>
+                  <a:schemeClr val="bg1"/>
+                </a:solidFill>
+              </a:rPr>
+              <a:t> </a:t>
+            </a:r>
+            <a:r>
+              <a:rPr lang="it-CH" b="1" dirty="0">
+                <a:solidFill>
+                  <a:schemeClr val="bg1"/>
+                </a:solidFill>
+              </a:rPr>
+              <a:t>Alessandro Castelli</a:t>
+            </a:r>
+            <a:endParaRPr lang="it-CH" dirty="0">
+              <a:solidFill>
+                <a:schemeClr val="bg1"/>
+              </a:solidFill>
+            </a:endParaRPr>
+          </a:p>
+        </p:txBody>
+      </p:sp>
       <p:sp>
         <p:nvSpPr>
           <p:cNvPr id="2" name="Titolo 1">
@@ -3978,131 +4018,6 @@
                 <a:schemeClr val="bg1"/>
               </a:solidFill>
             </a:endParaRPr>
-          </a:p>
-        </p:txBody>
-      </p:sp>
-      <p:sp>
-        <p:nvSpPr>
-          <p:cNvPr id="3" name="Sottotitolo 2">
-            <a:extLst>
-              <a:ext uri="{FF2B5EF4-FFF2-40B4-BE49-F238E27FC236}">
-                <a16:creationId xmlns:a16="http://schemas.microsoft.com/office/drawing/2014/main" id="{16F60309-FE01-4199-B30D-86DF08EF4A0D}"/>
-              </a:ext>
-            </a:extLst>
-          </p:cNvPr>
-          <p:cNvSpPr>
-            <a:spLocks noGrp="1"/>
-          </p:cNvSpPr>
-          <p:nvPr>
-            <p:ph type="subTitle" idx="1"/>
-          </p:nvPr>
-        </p:nvSpPr>
-        <p:spPr>
-          <a:xfrm>
-            <a:off x="1812235" y="3350937"/>
-            <a:ext cx="9144000" cy="1655762"/>
-          </a:xfrm>
-        </p:spPr>
-        <p:txBody>
-          <a:bodyPr/>
-          <a:lstStyle/>
-          <a:p>
-            <a:r>
-              <a:rPr lang="it-CH" b="1" dirty="0">
-                <a:solidFill>
-                  <a:schemeClr val="bg1"/>
-                </a:solidFill>
-              </a:rPr>
-              <a:t>Alessandro Aloise,</a:t>
-            </a:r>
-            <a:r>
-              <a:rPr lang="it-CH" dirty="0">
-                <a:solidFill>
-                  <a:schemeClr val="bg1"/>
-                </a:solidFill>
-              </a:rPr>
-              <a:t> </a:t>
-            </a:r>
-            <a:r>
-              <a:rPr lang="it-CH" b="1" dirty="0">
-                <a:solidFill>
-                  <a:schemeClr val="bg1"/>
-                </a:solidFill>
-              </a:rPr>
-              <a:t>Mattia Pasquini,</a:t>
-            </a:r>
-            <a:r>
-              <a:rPr lang="it-CH" dirty="0">
-                <a:solidFill>
-                  <a:schemeClr val="bg1"/>
-                </a:solidFill>
-              </a:rPr>
-              <a:t> </a:t>
-            </a:r>
-            <a:r>
-              <a:rPr lang="it-CH" b="1" dirty="0">
-                <a:solidFill>
-                  <a:schemeClr val="bg1"/>
-                </a:solidFill>
-              </a:rPr>
-              <a:t>Alessandro Castelli</a:t>
-            </a:r>
-            <a:endParaRPr lang="it-CH" dirty="0">
-              <a:solidFill>
-                <a:schemeClr val="bg1"/>
-              </a:solidFill>
-            </a:endParaRPr>
-          </a:p>
-        </p:txBody>
-      </p:sp>
-      <p:sp>
-        <p:nvSpPr>
-          <p:cNvPr id="7" name="Rettangolo 6">
-            <a:extLst>
-              <a:ext uri="{FF2B5EF4-FFF2-40B4-BE49-F238E27FC236}">
-                <a16:creationId xmlns:a16="http://schemas.microsoft.com/office/drawing/2014/main" id="{70E00795-948C-40E5-8773-66432B857F2C}"/>
-              </a:ext>
-            </a:extLst>
-          </p:cNvPr>
-          <p:cNvSpPr/>
-          <p:nvPr/>
-        </p:nvSpPr>
-        <p:spPr>
-          <a:xfrm>
-            <a:off x="7556500" y="0"/>
-            <a:ext cx="914400" cy="444500"/>
-          </a:xfrm>
-          <a:prstGeom prst="rect">
-            <a:avLst/>
-          </a:prstGeom>
-          <a:ln>
-            <a:solidFill>
-              <a:schemeClr val="tx1"/>
-            </a:solidFill>
-          </a:ln>
-        </p:spPr>
-        <p:style>
-          <a:lnRef idx="2">
-            <a:schemeClr val="dk1">
-              <a:shade val="50000"/>
-            </a:schemeClr>
-          </a:lnRef>
-          <a:fillRef idx="1">
-            <a:schemeClr val="dk1"/>
-          </a:fillRef>
-          <a:effectRef idx="0">
-            <a:schemeClr val="dk1"/>
-          </a:effectRef>
-          <a:fontRef idx="minor">
-            <a:schemeClr val="lt1"/>
-          </a:fontRef>
-        </p:style>
-        <p:txBody>
-          <a:bodyPr rtlCol="0" anchor="ctr"/>
-          <a:lstStyle/>
-          <a:p>
-            <a:pPr algn="ctr"/>
-            <a:endParaRPr lang="it-CH"/>
           </a:p>
         </p:txBody>
       </p:sp>
@@ -6244,10 +6159,10 @@
       </p:grpSpPr>
       <p:pic>
         <p:nvPicPr>
-          <p:cNvPr id="5" name="Immagine 4">
-            <a:extLst>
-              <a:ext uri="{FF2B5EF4-FFF2-40B4-BE49-F238E27FC236}">
-                <a16:creationId xmlns:a16="http://schemas.microsoft.com/office/drawing/2014/main" id="{461319AA-4B9D-4C4A-A282-F10BB60483BC}"/>
+          <p:cNvPr id="7" name="Immagine 6">
+            <a:extLst>
+              <a:ext uri="{FF2B5EF4-FFF2-40B4-BE49-F238E27FC236}">
+                <a16:creationId xmlns:a16="http://schemas.microsoft.com/office/drawing/2014/main" id="{2216F7D6-9FD9-EE8B-C576-06412D94EF96}"/>
               </a:ext>
             </a:extLst>
           </p:cNvPr>
@@ -6256,7 +6171,7 @@
           </p:cNvPicPr>
           <p:nvPr/>
         </p:nvPicPr>
-        <p:blipFill rotWithShape="1">
+        <p:blipFill>
           <a:blip r:embed="rId2">
             <a:extLst>
               <a:ext uri="{28A0092B-C50C-407E-A947-70E740481C1C}">
@@ -6264,48 +6179,14 @@
               </a:ext>
             </a:extLst>
           </a:blip>
-          <a:srcRect l="55393" r="-35699"/>
-          <a:stretch/>
+          <a:stretch>
+            <a:fillRect/>
+          </a:stretch>
         </p:blipFill>
         <p:spPr>
-          <a:xfrm flipH="1">
-            <a:off x="4864100" y="0"/>
-            <a:ext cx="7327900" cy="6858000"/>
-          </a:xfrm>
-          <a:prstGeom prst="rect">
-            <a:avLst/>
-          </a:prstGeom>
-        </p:spPr>
-      </p:pic>
-      <p:pic>
-        <p:nvPicPr>
-          <p:cNvPr id="4" name="Immagine 3">
-            <a:extLst>
-              <a:ext uri="{FF2B5EF4-FFF2-40B4-BE49-F238E27FC236}">
-                <a16:creationId xmlns:a16="http://schemas.microsoft.com/office/drawing/2014/main" id="{FB8E5214-8C1B-4F93-A824-E52DEEA84C06}"/>
-              </a:ext>
-            </a:extLst>
-          </p:cNvPr>
-          <p:cNvPicPr>
-            <a:picLocks noChangeAspect="1"/>
-          </p:cNvPicPr>
-          <p:nvPr/>
-        </p:nvPicPr>
-        <p:blipFill rotWithShape="1">
-          <a:blip r:embed="rId2">
-            <a:extLst>
-              <a:ext uri="{28A0092B-C50C-407E-A947-70E740481C1C}">
-                <a14:useLocalDpi xmlns:a14="http://schemas.microsoft.com/office/drawing/2010/main" val="0"/>
-              </a:ext>
-            </a:extLst>
-          </a:blip>
-          <a:srcRect l="10995"/>
-          <a:stretch/>
-        </p:blipFill>
-        <p:spPr>
           <a:xfrm>
             <a:off x="0" y="0"/>
-            <a:ext cx="8121618" cy="6858000"/>
+            <a:ext cx="12192000" cy="6858000"/>
           </a:xfrm>
           <a:prstGeom prst="rect">
             <a:avLst/>
@@ -6372,18 +6253,16 @@
           </a:xfrm>
         </p:spPr>
         <p:txBody>
-          <a:bodyPr>
+          <a:bodyPr anchor="ctr">
             <a:normAutofit lnSpcReduction="10000"/>
           </a:bodyPr>
           <a:lstStyle/>
           <a:p>
-            <a:pPr marL="228600" indent="-228600" algn="l">
+            <a:pPr algn="ctr">
               <a:buSzPct val="125000"/>
-              <a:buFont typeface="Arial" panose="020B0604020202020204" pitchFamily="34" charset="0"/>
-              <a:buChar char="•"/>
             </a:pPr>
             <a:r>
-              <a:rPr lang="it-IT" sz="2800" dirty="0">
+              <a:rPr lang="it-IT" dirty="0">
                 <a:solidFill>
                   <a:schemeClr val="bg1"/>
                 </a:solidFill>
@@ -6392,13 +6271,11 @@
             </a:r>
           </a:p>
           <a:p>
-            <a:pPr marL="228600" indent="-228600" algn="l">
+            <a:pPr algn="ctr">
               <a:buSzPct val="125000"/>
-              <a:buFont typeface="Arial" panose="020B0604020202020204" pitchFamily="34" charset="0"/>
-              <a:buChar char="•"/>
             </a:pPr>
             <a:r>
-              <a:rPr lang="it-IT" sz="2800" dirty="0">
+              <a:rPr lang="it-IT" dirty="0">
                 <a:solidFill>
                   <a:schemeClr val="bg1"/>
                 </a:solidFill>
@@ -6407,13 +6284,11 @@
             </a:r>
           </a:p>
           <a:p>
-            <a:pPr marL="228600" indent="-228600" algn="l">
+            <a:pPr algn="ctr">
               <a:buSzPct val="125000"/>
-              <a:buFont typeface="Arial" panose="020B0604020202020204" pitchFamily="34" charset="0"/>
-              <a:buChar char="•"/>
             </a:pPr>
             <a:r>
-              <a:rPr lang="it-IT" sz="2800" dirty="0">
+              <a:rPr lang="it-IT" dirty="0">
                 <a:solidFill>
                   <a:schemeClr val="bg1"/>
                 </a:solidFill>
@@ -6422,13 +6297,11 @@
             </a:r>
           </a:p>
           <a:p>
-            <a:pPr marL="228600" indent="-228600" algn="l">
+            <a:pPr algn="ctr">
               <a:buSzPct val="125000"/>
-              <a:buFont typeface="Arial" panose="020B0604020202020204" pitchFamily="34" charset="0"/>
-              <a:buChar char="•"/>
             </a:pPr>
             <a:r>
-              <a:rPr lang="it-IT" sz="2800" dirty="0">
+              <a:rPr lang="it-IT" dirty="0">
                 <a:solidFill>
                   <a:schemeClr val="bg1"/>
                 </a:solidFill>
@@ -6437,13 +6310,11 @@
             </a:r>
           </a:p>
           <a:p>
-            <a:pPr marL="228600" indent="-228600" algn="l">
+            <a:pPr algn="ctr">
               <a:buSzPct val="125000"/>
-              <a:buFont typeface="Arial" panose="020B0604020202020204" pitchFamily="34" charset="0"/>
-              <a:buChar char="•"/>
             </a:pPr>
             <a:r>
-              <a:rPr lang="it-IT" sz="2800" dirty="0">
+              <a:rPr lang="it-IT" dirty="0">
                 <a:solidFill>
                   <a:schemeClr val="bg1"/>
                 </a:solidFill>
@@ -6452,13 +6323,11 @@
             </a:r>
           </a:p>
           <a:p>
-            <a:pPr marL="228600" indent="-228600" algn="l">
+            <a:pPr algn="ctr">
               <a:buSzPct val="125000"/>
-              <a:buFont typeface="Arial" panose="020B0604020202020204" pitchFamily="34" charset="0"/>
-              <a:buChar char="•"/>
             </a:pPr>
             <a:r>
-              <a:rPr lang="it-IT" sz="2800" dirty="0">
+              <a:rPr lang="it-IT" dirty="0">
                 <a:solidFill>
                   <a:schemeClr val="bg1"/>
                 </a:solidFill>
@@ -6467,33 +6336,29 @@
             </a:r>
           </a:p>
           <a:p>
-            <a:pPr marL="228600" indent="-228600" algn="l">
+            <a:pPr algn="ctr">
               <a:buSzPct val="125000"/>
-              <a:buFont typeface="Arial" panose="020B0604020202020204" pitchFamily="34" charset="0"/>
-              <a:buChar char="•"/>
             </a:pPr>
             <a:r>
-              <a:rPr lang="it-IT" sz="2800" dirty="0" err="1">
+              <a:rPr lang="it-IT" dirty="0" err="1">
                 <a:solidFill>
                   <a:schemeClr val="bg1"/>
                 </a:solidFill>
               </a:rPr>
               <a:t>Consunitvo</a:t>
             </a:r>
-            <a:endParaRPr lang="it-IT" sz="2800" dirty="0">
+            <a:endParaRPr lang="it-IT" dirty="0">
               <a:solidFill>
                 <a:schemeClr val="bg1"/>
               </a:solidFill>
             </a:endParaRPr>
           </a:p>
           <a:p>
-            <a:pPr marL="228600" indent="-228600" algn="l">
+            <a:pPr algn="ctr">
               <a:buSzPct val="125000"/>
-              <a:buFont typeface="Arial" panose="020B0604020202020204" pitchFamily="34" charset="0"/>
-              <a:buChar char="•"/>
             </a:pPr>
             <a:r>
-              <a:rPr lang="it-IT" sz="2800" dirty="0">
+              <a:rPr lang="it-IT" dirty="0">
                 <a:solidFill>
                   <a:schemeClr val="bg1"/>
                 </a:solidFill>
@@ -6502,26 +6367,16 @@
             </a:r>
           </a:p>
           <a:p>
-            <a:pPr marL="228600" indent="-228600" algn="l">
+            <a:pPr lvl="1" algn="ctr">
               <a:buSzPct val="125000"/>
-              <a:buFont typeface="Arial" panose="020B0604020202020204" pitchFamily="34" charset="0"/>
-              <a:buChar char="•"/>
             </a:pPr>
-            <a:r>
-              <a:rPr lang="it-IT" sz="2800" dirty="0">
-                <a:solidFill>
-                  <a:schemeClr val="bg1"/>
-                </a:solidFill>
-              </a:rPr>
-              <a:t>Demo </a:t>
-            </a:r>
             <a:r>
               <a:rPr lang="it-IT" dirty="0">
                 <a:solidFill>
                   <a:schemeClr val="bg1"/>
                 </a:solidFill>
               </a:rPr>
-              <a:t>	</a:t>
+              <a:t>Demo 	</a:t>
             </a:r>
             <a:endParaRPr lang="it-CH" dirty="0">
               <a:solidFill>
@@ -7128,10 +6983,10 @@
       </p:grpSpPr>
       <p:pic>
         <p:nvPicPr>
-          <p:cNvPr id="5" name="Immagine 4">
-            <a:extLst>
-              <a:ext uri="{FF2B5EF4-FFF2-40B4-BE49-F238E27FC236}">
-                <a16:creationId xmlns:a16="http://schemas.microsoft.com/office/drawing/2014/main" id="{461319AA-4B9D-4C4A-A282-F10BB60483BC}"/>
+          <p:cNvPr id="7" name="Immagine 6">
+            <a:extLst>
+              <a:ext uri="{FF2B5EF4-FFF2-40B4-BE49-F238E27FC236}">
+                <a16:creationId xmlns:a16="http://schemas.microsoft.com/office/drawing/2014/main" id="{2B34DEF5-95CF-7431-9B50-9C0868A6D8A4}"/>
               </a:ext>
             </a:extLst>
           </p:cNvPr>
@@ -7140,7 +6995,7 @@
           </p:cNvPicPr>
           <p:nvPr/>
         </p:nvPicPr>
-        <p:blipFill rotWithShape="1">
+        <p:blipFill>
           <a:blip r:embed="rId2">
             <a:extLst>
               <a:ext uri="{28A0092B-C50C-407E-A947-70E740481C1C}">
@@ -7148,54 +7003,75 @@
               </a:ext>
             </a:extLst>
           </a:blip>
-          <a:srcRect l="55393" r="-35699"/>
-          <a:stretch/>
+          <a:stretch>
+            <a:fillRect/>
+          </a:stretch>
         </p:blipFill>
         <p:spPr>
-          <a:xfrm flipH="1">
-            <a:off x="4864100" y="0"/>
-            <a:ext cx="7327900" cy="6858000"/>
+          <a:xfrm>
+            <a:off x="0" y="0"/>
+            <a:ext cx="12192000" cy="6858000"/>
           </a:xfrm>
           <a:prstGeom prst="rect">
             <a:avLst/>
           </a:prstGeom>
         </p:spPr>
       </p:pic>
-      <p:pic>
-        <p:nvPicPr>
-          <p:cNvPr id="4" name="Immagine 3">
-            <a:extLst>
-              <a:ext uri="{FF2B5EF4-FFF2-40B4-BE49-F238E27FC236}">
-                <a16:creationId xmlns:a16="http://schemas.microsoft.com/office/drawing/2014/main" id="{FB8E5214-8C1B-4F93-A824-E52DEEA84C06}"/>
-              </a:ext>
-            </a:extLst>
-          </p:cNvPr>
-          <p:cNvPicPr>
-            <a:picLocks noChangeAspect="1"/>
-          </p:cNvPicPr>
-          <p:nvPr/>
-        </p:nvPicPr>
-        <p:blipFill rotWithShape="1">
-          <a:blip r:embed="rId2">
-            <a:extLst>
-              <a:ext uri="{28A0092B-C50C-407E-A947-70E740481C1C}">
-                <a14:useLocalDpi xmlns:a14="http://schemas.microsoft.com/office/drawing/2010/main" val="0"/>
-              </a:ext>
-            </a:extLst>
-          </a:blip>
-          <a:srcRect l="10995"/>
-          <a:stretch/>
-        </p:blipFill>
-        <p:spPr>
-          <a:xfrm>
-            <a:off x="0" y="0"/>
-            <a:ext cx="8121618" cy="6858000"/>
-          </a:xfrm>
-          <a:prstGeom prst="rect">
-            <a:avLst/>
-          </a:prstGeom>
-        </p:spPr>
-      </p:pic>
+      <p:sp>
+        <p:nvSpPr>
+          <p:cNvPr id="6" name="Segnaposto contenuto 5">
+            <a:extLst>
+              <a:ext uri="{FF2B5EF4-FFF2-40B4-BE49-F238E27FC236}">
+                <a16:creationId xmlns:a16="http://schemas.microsoft.com/office/drawing/2014/main" id="{F59A7324-36ED-472F-96F5-4E01AA6CBE14}"/>
+              </a:ext>
+            </a:extLst>
+          </p:cNvPr>
+          <p:cNvSpPr>
+            <a:spLocks noGrp="1"/>
+          </p:cNvSpPr>
+          <p:nvPr>
+            <p:ph idx="1"/>
+          </p:nvPr>
+        </p:nvSpPr>
+        <p:spPr/>
+        <p:txBody>
+          <a:bodyPr/>
+          <a:lstStyle/>
+          <a:p>
+            <a:pPr algn="ctr"/>
+            <a:r>
+              <a:rPr lang="it-CH" dirty="0">
+                <a:solidFill>
+                  <a:schemeClr val="bg1"/>
+                </a:solidFill>
+              </a:rPr>
+              <a:t>Sviluppo di una libreria propria </a:t>
+            </a:r>
+          </a:p>
+          <a:p>
+            <a:pPr algn="ctr"/>
+            <a:r>
+              <a:rPr lang="it-CH" dirty="0">
+                <a:solidFill>
+                  <a:schemeClr val="bg1"/>
+                </a:solidFill>
+              </a:rPr>
+              <a:t>Aggiunta di dettagli </a:t>
+            </a:r>
+          </a:p>
+          <a:p>
+            <a:pPr algn="ctr"/>
+            <a:r>
+              <a:rPr lang="it-CH" dirty="0">
+                <a:solidFill>
+                  <a:schemeClr val="bg1"/>
+                </a:solidFill>
+              </a:rPr>
+              <a:t>Convertirlo a sito online</a:t>
+            </a:r>
+          </a:p>
+        </p:txBody>
+      </p:sp>
       <p:sp>
         <p:nvSpPr>
           <p:cNvPr id="2" name="Titolo 1">
@@ -7224,58 +7100,6 @@
                 </a:solidFill>
               </a:rPr>
               <a:t>Sviluppi futuri</a:t>
-            </a:r>
-          </a:p>
-        </p:txBody>
-      </p:sp>
-      <p:sp>
-        <p:nvSpPr>
-          <p:cNvPr id="6" name="Segnaposto contenuto 5">
-            <a:extLst>
-              <a:ext uri="{FF2B5EF4-FFF2-40B4-BE49-F238E27FC236}">
-                <a16:creationId xmlns:a16="http://schemas.microsoft.com/office/drawing/2014/main" id="{F59A7324-36ED-472F-96F5-4E01AA6CBE14}"/>
-              </a:ext>
-            </a:extLst>
-          </p:cNvPr>
-          <p:cNvSpPr>
-            <a:spLocks noGrp="1"/>
-          </p:cNvSpPr>
-          <p:nvPr>
-            <p:ph idx="1"/>
-          </p:nvPr>
-        </p:nvSpPr>
-        <p:spPr/>
-        <p:txBody>
-          <a:bodyPr/>
-          <a:lstStyle/>
-          <a:p>
-            <a:r>
-              <a:rPr lang="it-CH" dirty="0">
-                <a:solidFill>
-                  <a:schemeClr val="bg1"/>
-                </a:solidFill>
-              </a:rPr>
-              <a:t>Sviluppo di una libreria propria </a:t>
-            </a:r>
-          </a:p>
-          <a:p>
-            <a:r>
-              <a:rPr lang="it-CH" dirty="0">
-                <a:solidFill>
-                  <a:schemeClr val="bg1"/>
-                </a:solidFill>
-              </a:rPr>
-              <a:t>Aggiunta di dettagli </a:t>
-            </a:r>
-          </a:p>
-          <a:p>
-            <a:r>
-              <a:rPr lang="it-CH" dirty="0">
-                <a:solidFill>
-                  <a:schemeClr val="bg1"/>
-                </a:solidFill>
-              </a:rPr>
-              <a:t>Convertirlo a sito online</a:t>
             </a:r>
           </a:p>
         </p:txBody>
@@ -7312,10 +7136,10 @@
       </p:grpSpPr>
       <p:pic>
         <p:nvPicPr>
-          <p:cNvPr id="5" name="Immagine 4">
-            <a:extLst>
-              <a:ext uri="{FF2B5EF4-FFF2-40B4-BE49-F238E27FC236}">
-                <a16:creationId xmlns:a16="http://schemas.microsoft.com/office/drawing/2014/main" id="{461319AA-4B9D-4C4A-A282-F10BB60483BC}"/>
+          <p:cNvPr id="3" name="Immagine 2">
+            <a:extLst>
+              <a:ext uri="{FF2B5EF4-FFF2-40B4-BE49-F238E27FC236}">
+                <a16:creationId xmlns:a16="http://schemas.microsoft.com/office/drawing/2014/main" id="{834BF5D5-3553-D873-0A0B-6910AF4E9286}"/>
               </a:ext>
             </a:extLst>
           </p:cNvPr>
@@ -7324,7 +7148,7 @@
           </p:cNvPicPr>
           <p:nvPr/>
         </p:nvPicPr>
-        <p:blipFill rotWithShape="1">
+        <p:blipFill>
           <a:blip r:embed="rId2">
             <a:extLst>
               <a:ext uri="{28A0092B-C50C-407E-A947-70E740481C1C}">
@@ -7332,48 +7156,14 @@
               </a:ext>
             </a:extLst>
           </a:blip>
-          <a:srcRect l="55393" r="-35699"/>
-          <a:stretch/>
+          <a:stretch>
+            <a:fillRect/>
+          </a:stretch>
         </p:blipFill>
         <p:spPr>
-          <a:xfrm flipH="1">
-            <a:off x="4864100" y="0"/>
-            <a:ext cx="7327900" cy="6858000"/>
-          </a:xfrm>
-          <a:prstGeom prst="rect">
-            <a:avLst/>
-          </a:prstGeom>
-        </p:spPr>
-      </p:pic>
-      <p:pic>
-        <p:nvPicPr>
-          <p:cNvPr id="4" name="Immagine 3">
-            <a:extLst>
-              <a:ext uri="{FF2B5EF4-FFF2-40B4-BE49-F238E27FC236}">
-                <a16:creationId xmlns:a16="http://schemas.microsoft.com/office/drawing/2014/main" id="{FB8E5214-8C1B-4F93-A824-E52DEEA84C06}"/>
-              </a:ext>
-            </a:extLst>
-          </p:cNvPr>
-          <p:cNvPicPr>
-            <a:picLocks noChangeAspect="1"/>
-          </p:cNvPicPr>
-          <p:nvPr/>
-        </p:nvPicPr>
-        <p:blipFill rotWithShape="1">
-          <a:blip r:embed="rId2">
-            <a:extLst>
-              <a:ext uri="{28A0092B-C50C-407E-A947-70E740481C1C}">
-                <a14:useLocalDpi xmlns:a14="http://schemas.microsoft.com/office/drawing/2010/main" val="0"/>
-              </a:ext>
-            </a:extLst>
-          </a:blip>
-          <a:srcRect l="10995"/>
-          <a:stretch/>
-        </p:blipFill>
-        <p:spPr>
           <a:xfrm>
             <a:off x="0" y="0"/>
-            <a:ext cx="8121618" cy="6858000"/>
+            <a:ext cx="12192000" cy="6858000"/>
           </a:xfrm>
           <a:prstGeom prst="rect">
             <a:avLst/>
@@ -7459,10 +7249,10 @@
       </p:grpSpPr>
       <p:pic>
         <p:nvPicPr>
-          <p:cNvPr id="5" name="Immagine 4">
-            <a:extLst>
-              <a:ext uri="{FF2B5EF4-FFF2-40B4-BE49-F238E27FC236}">
-                <a16:creationId xmlns:a16="http://schemas.microsoft.com/office/drawing/2014/main" id="{461319AA-4B9D-4C4A-A282-F10BB60483BC}"/>
+          <p:cNvPr id="7" name="Immagine 6">
+            <a:extLst>
+              <a:ext uri="{FF2B5EF4-FFF2-40B4-BE49-F238E27FC236}">
+                <a16:creationId xmlns:a16="http://schemas.microsoft.com/office/drawing/2014/main" id="{81C4D8D2-FD2C-1226-EE72-1503C2D1AA8F}"/>
               </a:ext>
             </a:extLst>
           </p:cNvPr>
@@ -7471,7 +7261,7 @@
           </p:cNvPicPr>
           <p:nvPr/>
         </p:nvPicPr>
-        <p:blipFill rotWithShape="1">
+        <p:blipFill>
           <a:blip r:embed="rId2">
             <a:extLst>
               <a:ext uri="{28A0092B-C50C-407E-A947-70E740481C1C}">
@@ -7479,117 +7269,47 @@
               </a:ext>
             </a:extLst>
           </a:blip>
-          <a:srcRect l="55393" r="-35699"/>
-          <a:stretch/>
+          <a:stretch>
+            <a:fillRect/>
+          </a:stretch>
         </p:blipFill>
         <p:spPr>
-          <a:xfrm flipH="1">
-            <a:off x="4864100" y="0"/>
-            <a:ext cx="7327900" cy="6858000"/>
+          <a:xfrm>
+            <a:off x="0" y="0"/>
+            <a:ext cx="12192000" cy="6858000"/>
           </a:xfrm>
           <a:prstGeom prst="rect">
             <a:avLst/>
           </a:prstGeom>
         </p:spPr>
       </p:pic>
-      <p:pic>
-        <p:nvPicPr>
-          <p:cNvPr id="4" name="Immagine 3">
-            <a:extLst>
-              <a:ext uri="{FF2B5EF4-FFF2-40B4-BE49-F238E27FC236}">
-                <a16:creationId xmlns:a16="http://schemas.microsoft.com/office/drawing/2014/main" id="{FB8E5214-8C1B-4F93-A824-E52DEEA84C06}"/>
-              </a:ext>
-            </a:extLst>
-          </p:cNvPr>
-          <p:cNvPicPr>
-            <a:picLocks noChangeAspect="1"/>
-          </p:cNvPicPr>
-          <p:nvPr/>
-        </p:nvPicPr>
-        <p:blipFill rotWithShape="1">
-          <a:blip r:embed="rId2">
-            <a:extLst>
-              <a:ext uri="{28A0092B-C50C-407E-A947-70E740481C1C}">
-                <a14:useLocalDpi xmlns:a14="http://schemas.microsoft.com/office/drawing/2010/main" val="0"/>
-              </a:ext>
-            </a:extLst>
-          </a:blip>
-          <a:srcRect l="10995"/>
-          <a:stretch/>
-        </p:blipFill>
-        <p:spPr>
-          <a:xfrm>
-            <a:off x="0" y="0"/>
-            <a:ext cx="8121618" cy="6858000"/>
-          </a:xfrm>
-          <a:prstGeom prst="rect">
-            <a:avLst/>
-          </a:prstGeom>
-        </p:spPr>
-      </p:pic>
-      <p:sp>
-        <p:nvSpPr>
-          <p:cNvPr id="2" name="Titolo 1">
-            <a:extLst>
-              <a:ext uri="{FF2B5EF4-FFF2-40B4-BE49-F238E27FC236}">
-                <a16:creationId xmlns:a16="http://schemas.microsoft.com/office/drawing/2014/main" id="{758820D5-6773-422D-84EE-FDC23A349272}"/>
-              </a:ext>
-            </a:extLst>
-          </p:cNvPr>
-          <p:cNvSpPr>
-            <a:spLocks noGrp="1"/>
-          </p:cNvSpPr>
-          <p:nvPr>
-            <p:ph type="title"/>
-          </p:nvPr>
-        </p:nvSpPr>
-        <p:spPr/>
+      <p:sp>
+        <p:nvSpPr>
+          <p:cNvPr id="3" name="Segnaposto contenuto 2">
+            <a:extLst>
+              <a:ext uri="{FF2B5EF4-FFF2-40B4-BE49-F238E27FC236}">
+                <a16:creationId xmlns:a16="http://schemas.microsoft.com/office/drawing/2014/main" id="{7F9FAEFD-785C-40E2-9C50-A6A540AEDB37}"/>
+              </a:ext>
+            </a:extLst>
+          </p:cNvPr>
+          <p:cNvSpPr>
+            <a:spLocks noGrp="1"/>
+          </p:cNvSpPr>
+          <p:nvPr>
+            <p:ph idx="1"/>
+          </p:nvPr>
+        </p:nvSpPr>
+        <p:spPr>
+          <a:xfrm>
+            <a:off x="838200" y="1825625"/>
+            <a:ext cx="10515600" cy="4351338"/>
+          </a:xfrm>
+        </p:spPr>
         <p:txBody>
           <a:bodyPr/>
           <a:lstStyle/>
           <a:p>
-            <a:r>
-              <a:rPr lang="it-CH" b="1" dirty="0">
-                <a:solidFill>
-                  <a:schemeClr val="bg1"/>
-                </a:solidFill>
-              </a:rPr>
-              <a:t>Scopo</a:t>
-            </a:r>
-            <a:endParaRPr lang="it-CH" dirty="0">
-              <a:solidFill>
-                <a:schemeClr val="bg1"/>
-              </a:solidFill>
-            </a:endParaRPr>
-          </a:p>
-        </p:txBody>
-      </p:sp>
-      <p:sp>
-        <p:nvSpPr>
-          <p:cNvPr id="3" name="Segnaposto contenuto 2">
-            <a:extLst>
-              <a:ext uri="{FF2B5EF4-FFF2-40B4-BE49-F238E27FC236}">
-                <a16:creationId xmlns:a16="http://schemas.microsoft.com/office/drawing/2014/main" id="{7F9FAEFD-785C-40E2-9C50-A6A540AEDB37}"/>
-              </a:ext>
-            </a:extLst>
-          </p:cNvPr>
-          <p:cNvSpPr>
-            <a:spLocks noGrp="1"/>
-          </p:cNvSpPr>
-          <p:nvPr>
-            <p:ph idx="1"/>
-          </p:nvPr>
-        </p:nvSpPr>
-        <p:spPr>
-          <a:xfrm>
-            <a:off x="838200" y="1825625"/>
-            <a:ext cx="10515600" cy="4351338"/>
-          </a:xfrm>
-        </p:spPr>
-        <p:txBody>
-          <a:bodyPr/>
-          <a:lstStyle/>
-          <a:p>
+            <a:pPr algn="ctr"/>
             <a:r>
               <a:rPr lang="it-CH" dirty="0">
                 <a:solidFill>
@@ -7616,6 +7336,7 @@
             </a:r>
           </a:p>
           <a:p>
+            <a:pPr algn="ctr"/>
             <a:r>
               <a:rPr lang="it-CH" dirty="0">
                 <a:solidFill>
@@ -7626,6 +7347,7 @@
             </a:r>
           </a:p>
           <a:p>
+            <a:pPr algn="ctr"/>
             <a:r>
               <a:rPr lang="it-CH" dirty="0">
                 <a:solidFill>
@@ -7646,6 +7368,43 @@
             </a:endParaRPr>
           </a:p>
           <a:p>
+            <a:endParaRPr lang="it-CH" dirty="0">
+              <a:solidFill>
+                <a:schemeClr val="bg1"/>
+              </a:solidFill>
+            </a:endParaRPr>
+          </a:p>
+        </p:txBody>
+      </p:sp>
+      <p:sp>
+        <p:nvSpPr>
+          <p:cNvPr id="2" name="Titolo 1">
+            <a:extLst>
+              <a:ext uri="{FF2B5EF4-FFF2-40B4-BE49-F238E27FC236}">
+                <a16:creationId xmlns:a16="http://schemas.microsoft.com/office/drawing/2014/main" id="{758820D5-6773-422D-84EE-FDC23A349272}"/>
+              </a:ext>
+            </a:extLst>
+          </p:cNvPr>
+          <p:cNvSpPr>
+            <a:spLocks noGrp="1"/>
+          </p:cNvSpPr>
+          <p:nvPr>
+            <p:ph type="title"/>
+          </p:nvPr>
+        </p:nvSpPr>
+        <p:spPr/>
+        <p:txBody>
+          <a:bodyPr/>
+          <a:lstStyle/>
+          <a:p>
+            <a:r>
+              <a:rPr lang="it-CH" b="1" dirty="0">
+                <a:solidFill>
+                  <a:schemeClr val="bg1"/>
+                </a:solidFill>
+              </a:rPr>
+              <a:t>Scopo</a:t>
+            </a:r>
             <a:endParaRPr lang="it-CH" dirty="0">
               <a:solidFill>
                 <a:schemeClr val="bg1"/>
@@ -7686,10 +7445,10 @@
       </p:grpSpPr>
       <p:pic>
         <p:nvPicPr>
-          <p:cNvPr id="5" name="Immagine 4">
-            <a:extLst>
-              <a:ext uri="{FF2B5EF4-FFF2-40B4-BE49-F238E27FC236}">
-                <a16:creationId xmlns:a16="http://schemas.microsoft.com/office/drawing/2014/main" id="{461319AA-4B9D-4C4A-A282-F10BB60483BC}"/>
+          <p:cNvPr id="7" name="Immagine 6">
+            <a:extLst>
+              <a:ext uri="{FF2B5EF4-FFF2-40B4-BE49-F238E27FC236}">
+                <a16:creationId xmlns:a16="http://schemas.microsoft.com/office/drawing/2014/main" id="{6D2C37C5-9753-2899-BC22-B6FC08C2D967}"/>
               </a:ext>
             </a:extLst>
           </p:cNvPr>
@@ -7698,7 +7457,7 @@
           </p:cNvPicPr>
           <p:nvPr/>
         </p:nvPicPr>
-        <p:blipFill rotWithShape="1">
+        <p:blipFill>
           <a:blip r:embed="rId2">
             <a:extLst>
               <a:ext uri="{28A0092B-C50C-407E-A947-70E740481C1C}">
@@ -7706,48 +7465,14 @@
               </a:ext>
             </a:extLst>
           </a:blip>
-          <a:srcRect l="55393" r="-35699"/>
-          <a:stretch/>
+          <a:stretch>
+            <a:fillRect/>
+          </a:stretch>
         </p:blipFill>
         <p:spPr>
-          <a:xfrm flipH="1">
-            <a:off x="4864100" y="0"/>
-            <a:ext cx="7327900" cy="6858000"/>
-          </a:xfrm>
-          <a:prstGeom prst="rect">
-            <a:avLst/>
-          </a:prstGeom>
-        </p:spPr>
-      </p:pic>
-      <p:pic>
-        <p:nvPicPr>
-          <p:cNvPr id="4" name="Immagine 3">
-            <a:extLst>
-              <a:ext uri="{FF2B5EF4-FFF2-40B4-BE49-F238E27FC236}">
-                <a16:creationId xmlns:a16="http://schemas.microsoft.com/office/drawing/2014/main" id="{FB8E5214-8C1B-4F93-A824-E52DEEA84C06}"/>
-              </a:ext>
-            </a:extLst>
-          </p:cNvPr>
-          <p:cNvPicPr>
-            <a:picLocks noChangeAspect="1"/>
-          </p:cNvPicPr>
-          <p:nvPr/>
-        </p:nvPicPr>
-        <p:blipFill rotWithShape="1">
-          <a:blip r:embed="rId2">
-            <a:extLst>
-              <a:ext uri="{28A0092B-C50C-407E-A947-70E740481C1C}">
-                <a14:useLocalDpi xmlns:a14="http://schemas.microsoft.com/office/drawing/2010/main" val="0"/>
-              </a:ext>
-            </a:extLst>
-          </a:blip>
-          <a:srcRect l="10995"/>
-          <a:stretch/>
-        </p:blipFill>
-        <p:spPr>
           <a:xfrm>
             <a:off x="0" y="0"/>
-            <a:ext cx="8121618" cy="6858000"/>
+            <a:ext cx="12192000" cy="6858000"/>
           </a:xfrm>
           <a:prstGeom prst="rect">
             <a:avLst/>
@@ -7812,6 +7537,7 @@
           <a:bodyPr/>
           <a:lstStyle/>
           <a:p>
+            <a:pPr algn="ctr"/>
             <a:r>
               <a:rPr lang="it-CH" dirty="0">
                 <a:solidFill>
@@ -7822,6 +7548,7 @@
             </a:r>
           </a:p>
           <a:p>
+            <a:pPr algn="ctr"/>
             <a:r>
               <a:rPr lang="it-CH" dirty="0" err="1">
                 <a:solidFill>
@@ -7840,6 +7567,7 @@
             </a:r>
           </a:p>
           <a:p>
+            <a:pPr algn="ctr"/>
             <a:r>
               <a:rPr lang="it-CH" dirty="0" err="1">
                 <a:solidFill>
@@ -7855,7 +7583,7 @@
             </a:endParaRPr>
           </a:p>
           <a:p>
-            <a:pPr lvl="1"/>
+            <a:pPr lvl="1" algn="ctr"/>
             <a:r>
               <a:rPr lang="it-CH" dirty="0" err="1">
                 <a:solidFill>
@@ -7871,6 +7599,7 @@
             </a:endParaRPr>
           </a:p>
           <a:p>
+            <a:pPr algn="ctr"/>
             <a:r>
               <a:rPr lang="it-CH" dirty="0">
                 <a:solidFill>
@@ -7881,7 +7610,7 @@
             </a:r>
           </a:p>
           <a:p>
-            <a:pPr marL="0" indent="0">
+            <a:pPr marL="0" indent="0" algn="ctr">
               <a:buNone/>
             </a:pPr>
             <a:endParaRPr lang="it-CH" dirty="0">
@@ -7891,6 +7620,7 @@
             </a:endParaRPr>
           </a:p>
           <a:p>
+            <a:pPr algn="ctr"/>
             <a:endParaRPr lang="it-CH" dirty="0">
               <a:solidFill>
                 <a:schemeClr val="bg1"/>

--- a/Documenti/Presentazione_EyeAsteroids.pptx
+++ b/Documenti/Presentazione_EyeAsteroids.pptx
@@ -3921,7 +3921,7 @@
         </p:nvSpPr>
         <p:spPr>
           <a:xfrm>
-            <a:off x="1812235" y="3350937"/>
+            <a:off x="1524000" y="3350937"/>
             <a:ext cx="9144000" cy="1655762"/>
           </a:xfrm>
         </p:spPr>
@@ -4816,7 +4816,26 @@
                   <a:schemeClr val="bg1"/>
                 </a:solidFill>
               </a:rPr>
-              <a:t>Diagramma delle classi</a:t>
+              <a:t>Diagramma de</a:t>
+            </a:r>
+            <a:r>
+              <a:rPr lang="it-CH" dirty="0">
+                <a:solidFill>
+                  <a:schemeClr val="bg1"/>
+                </a:solidFill>
+                <a:highlight>
+                  <a:srgbClr val="000000"/>
+                </a:highlight>
+              </a:rPr>
+              <a:t>ll</a:t>
+            </a:r>
+            <a:r>
+              <a:rPr lang="it-CH" dirty="0">
+                <a:solidFill>
+                  <a:schemeClr val="bg1"/>
+                </a:solidFill>
+              </a:rPr>
+              <a:t>e classi</a:t>
             </a:r>
           </a:p>
         </p:txBody>
@@ -4983,7 +5002,18 @@
                   <a:schemeClr val="bg1"/>
                 </a:solidFill>
               </a:rPr>
-              <a:t>Diagramma ER</a:t>
+              <a:t>Diagramma E</a:t>
+            </a:r>
+            <a:r>
+              <a:rPr lang="it-CH" dirty="0">
+                <a:solidFill>
+                  <a:schemeClr val="bg1"/>
+                </a:solidFill>
+                <a:highlight>
+                  <a:srgbClr val="000000"/>
+                </a:highlight>
+              </a:rPr>
+              <a:t>R</a:t>
             </a:r>
           </a:p>
         </p:txBody>
@@ -5150,7 +5180,26 @@
                   <a:schemeClr val="bg1"/>
                 </a:solidFill>
               </a:rPr>
-              <a:t>Struttura cartelle</a:t>
+              <a:t>Struttura carte</a:t>
+            </a:r>
+            <a:r>
+              <a:rPr lang="it-CH" dirty="0">
+                <a:solidFill>
+                  <a:schemeClr val="bg1"/>
+                </a:solidFill>
+                <a:highlight>
+                  <a:srgbClr val="000000"/>
+                </a:highlight>
+              </a:rPr>
+              <a:t>ll</a:t>
+            </a:r>
+            <a:r>
+              <a:rPr lang="it-CH" dirty="0">
+                <a:solidFill>
+                  <a:schemeClr val="bg1"/>
+                </a:solidFill>
+              </a:rPr>
+              <a:t>e</a:t>
             </a:r>
           </a:p>
         </p:txBody>
@@ -5511,7 +5560,26 @@
                   <a:schemeClr val="bg1"/>
                 </a:solidFill>
               </a:rPr>
-              <a:t>Consunitovo</a:t>
+              <a:t>Consun</a:t>
+            </a:r>
+            <a:r>
+              <a:rPr lang="it-CH" dirty="0" err="1">
+                <a:solidFill>
+                  <a:schemeClr val="bg1"/>
+                </a:solidFill>
+                <a:highlight>
+                  <a:srgbClr val="000000"/>
+                </a:highlight>
+              </a:rPr>
+              <a:t>iti</a:t>
+            </a:r>
+            <a:r>
+              <a:rPr lang="it-CH" dirty="0" err="1">
+                <a:solidFill>
+                  <a:schemeClr val="bg1"/>
+                </a:solidFill>
+              </a:rPr>
+              <a:t>vo</a:t>
             </a:r>
             <a:endParaRPr lang="it-CH" dirty="0">
               <a:solidFill>
@@ -5784,7 +5852,7 @@
         </p:nvSpPr>
         <p:spPr>
           <a:xfrm>
-            <a:off x="2147865" y="2483249"/>
+            <a:off x="2265202" y="2483249"/>
             <a:ext cx="1539551" cy="369332"/>
           </a:xfrm>
           <a:prstGeom prst="rect">
@@ -5803,6 +5871,9 @@
                 <a:solidFill>
                   <a:schemeClr val="bg1"/>
                 </a:solidFill>
+                <a:highlight>
+                  <a:srgbClr val="000000"/>
+                </a:highlight>
               </a:rPr>
               <a:t>Preventivo</a:t>
             </a:r>
@@ -5823,7 +5894,7 @@
         </p:nvSpPr>
         <p:spPr>
           <a:xfrm>
-            <a:off x="2072219" y="4534214"/>
+            <a:off x="2265201" y="4534214"/>
             <a:ext cx="1539551" cy="369332"/>
           </a:xfrm>
           <a:prstGeom prst="rect">
@@ -6063,7 +6134,7 @@
         </p:nvSpPr>
         <p:spPr>
           <a:xfrm>
-            <a:off x="2147865" y="2483249"/>
+            <a:off x="2288440" y="2483248"/>
             <a:ext cx="1539551" cy="369332"/>
           </a:xfrm>
           <a:prstGeom prst="rect">
@@ -6082,6 +6153,9 @@
                 <a:solidFill>
                   <a:schemeClr val="bg1"/>
                 </a:solidFill>
+                <a:highlight>
+                  <a:srgbClr val="000000"/>
+                </a:highlight>
               </a:rPr>
               <a:t>Preventivo</a:t>
             </a:r>
@@ -6102,7 +6176,7 @@
         </p:nvSpPr>
         <p:spPr>
           <a:xfrm>
-            <a:off x="2072219" y="4534214"/>
+            <a:off x="2221016" y="4485958"/>
             <a:ext cx="1539551" cy="369332"/>
           </a:xfrm>
           <a:prstGeom prst="rect">
@@ -6215,18 +6289,13 @@
           <a:lstStyle/>
           <a:p>
             <a:r>
-              <a:rPr lang="it-CH" b="1" dirty="0">
+              <a:rPr lang="it-CH" dirty="0">
                 <a:solidFill>
                   <a:schemeClr val="bg1"/>
                 </a:solidFill>
               </a:rPr>
               <a:t>Indice</a:t>
             </a:r>
-            <a:endParaRPr lang="it-CH" dirty="0">
-              <a:solidFill>
-                <a:schemeClr val="bg1"/>
-              </a:solidFill>
-            </a:endParaRPr>
           </a:p>
         </p:txBody>
       </p:sp>
@@ -6248,9 +6317,12 @@
         </p:nvSpPr>
         <p:spPr>
           <a:xfrm>
-            <a:off x="838200" y="1825625"/>
-            <a:ext cx="10515600" cy="4351338"/>
-          </a:xfrm>
+            <a:off x="2947987" y="1690688"/>
+            <a:ext cx="6296026" cy="4351338"/>
+          </a:xfrm>
+          <a:solidFill>
+            <a:schemeClr val="tx1"/>
+          </a:solidFill>
         </p:spPr>
         <p:txBody>
           <a:bodyPr anchor="ctr">
@@ -6371,12 +6443,20 @@
               <a:buSzPct val="125000"/>
             </a:pPr>
             <a:r>
+              <a:rPr lang="it-IT" sz="2800" dirty="0">
+                <a:solidFill>
+                  <a:schemeClr val="bg1"/>
+                </a:solidFill>
+              </a:rPr>
+              <a:t>Demo</a:t>
+            </a:r>
+            <a:r>
               <a:rPr lang="it-IT" dirty="0">
                 <a:solidFill>
                   <a:schemeClr val="bg1"/>
                 </a:solidFill>
               </a:rPr>
-              <a:t>Demo 	</a:t>
+              <a:t> 	</a:t>
             </a:r>
             <a:endParaRPr lang="it-CH" dirty="0">
               <a:solidFill>
@@ -6906,6 +6986,9 @@
                 <a:solidFill>
                   <a:schemeClr val="bg1"/>
                 </a:solidFill>
+                <a:highlight>
+                  <a:srgbClr val="000000"/>
+                </a:highlight>
               </a:rPr>
               <a:t>Preventivo</a:t>
             </a:r>
@@ -7398,18 +7481,13 @@
           <a:lstStyle/>
           <a:p>
             <a:r>
-              <a:rPr lang="it-CH" b="1" dirty="0">
+              <a:rPr lang="it-CH" dirty="0">
                 <a:solidFill>
                   <a:schemeClr val="bg1"/>
                 </a:solidFill>
               </a:rPr>
               <a:t>Scopo</a:t>
             </a:r>
-            <a:endParaRPr lang="it-CH" dirty="0">
-              <a:solidFill>
-                <a:schemeClr val="bg1"/>
-              </a:solidFill>
-            </a:endParaRPr>
           </a:p>
         </p:txBody>
       </p:sp>
@@ -7583,7 +7661,7 @@
             </a:endParaRPr>
           </a:p>
           <a:p>
-            <a:pPr lvl="1" algn="ctr"/>
+            <a:pPr algn="ctr"/>
             <a:r>
               <a:rPr lang="it-CH" dirty="0" err="1">
                 <a:solidFill>
@@ -7764,7 +7842,26 @@
                   <a:schemeClr val="bg1"/>
                 </a:solidFill>
               </a:rPr>
-              <a:t> preventivo</a:t>
+              <a:t> prevent</a:t>
+            </a:r>
+            <a:r>
+              <a:rPr lang="it-CH" dirty="0">
+                <a:solidFill>
+                  <a:schemeClr val="bg1"/>
+                </a:solidFill>
+                <a:highlight>
+                  <a:srgbClr val="000000"/>
+                </a:highlight>
+              </a:rPr>
+              <a:t>i</a:t>
+            </a:r>
+            <a:r>
+              <a:rPr lang="it-CH" dirty="0">
+                <a:solidFill>
+                  <a:schemeClr val="bg1"/>
+                </a:solidFill>
+              </a:rPr>
+              <a:t>vo</a:t>
             </a:r>
           </a:p>
         </p:txBody>
